--- a/カードデザイン/【名刺代わりに】包装用紙デザイン.pptx
+++ b/カードデザイン/【名刺代わりに】包装用紙デザイン.pptx
@@ -5,16 +5,17 @@
     <p:sldMasterId id="2147483672" r:id="rId1"/>
   </p:sldMasterIdLst>
   <p:notesMasterIdLst>
-    <p:notesMasterId r:id="rId6"/>
+    <p:notesMasterId r:id="rId7"/>
   </p:notesMasterIdLst>
   <p:handoutMasterIdLst>
-    <p:handoutMasterId r:id="rId7"/>
+    <p:handoutMasterId r:id="rId8"/>
   </p:handoutMasterIdLst>
   <p:sldIdLst>
     <p:sldId id="256" r:id="rId2"/>
     <p:sldId id="257" r:id="rId3"/>
-    <p:sldId id="259" r:id="rId4"/>
-    <p:sldId id="258" r:id="rId5"/>
+    <p:sldId id="260" r:id="rId4"/>
+    <p:sldId id="259" r:id="rId5"/>
+    <p:sldId id="258" r:id="rId6"/>
   </p:sldIdLst>
   <p:sldSz cx="6858000" cy="9906000" type="A4"/>
   <p:notesSz cx="6735763" cy="9866313"/>
@@ -226,7 +227,7 @@
           <a:p>
             <a:fld id="{7455B2F6-CDDA-4468-A1D4-4A031BF30260}" type="datetimeFigureOut">
               <a:rPr kumimoji="1" lang="ja-JP" altLang="en-US" smtClean="0"/>
-              <a:t>2026/2/6</a:t>
+              <a:t>2026/2/9</a:t>
             </a:fld>
             <a:endParaRPr kumimoji="1" lang="ja-JP" altLang="en-US"/>
           </a:p>
@@ -404,7 +405,7 @@
           <a:p>
             <a:fld id="{DEA92E1B-E4CD-425D-9FF3-1D4B05620A0A}" type="datetimeFigureOut">
               <a:rPr kumimoji="1" lang="ja-JP" altLang="en-US" smtClean="0"/>
-              <a:t>2026/2/6</a:t>
+              <a:t>2026/2/9</a:t>
             </a:fld>
             <a:endParaRPr kumimoji="1" lang="ja-JP" altLang="en-US"/>
           </a:p>
@@ -835,7 +836,7 @@
           <a:p>
             <a:fld id="{71150A30-90D7-485A-B792-D7379965FC98}" type="datetimeFigureOut">
               <a:rPr kumimoji="1" lang="ja-JP" altLang="en-US" smtClean="0"/>
-              <a:t>2026/2/6</a:t>
+              <a:t>2026/2/9</a:t>
             </a:fld>
             <a:endParaRPr kumimoji="1" lang="ja-JP" altLang="en-US"/>
           </a:p>
@@ -1037,7 +1038,7 @@
           <a:p>
             <a:fld id="{71150A30-90D7-485A-B792-D7379965FC98}" type="datetimeFigureOut">
               <a:rPr kumimoji="1" lang="ja-JP" altLang="en-US" smtClean="0"/>
-              <a:t>2026/2/6</a:t>
+              <a:t>2026/2/9</a:t>
             </a:fld>
             <a:endParaRPr kumimoji="1" lang="ja-JP" altLang="en-US"/>
           </a:p>
@@ -1249,7 +1250,7 @@
           <a:p>
             <a:fld id="{71150A30-90D7-485A-B792-D7379965FC98}" type="datetimeFigureOut">
               <a:rPr kumimoji="1" lang="ja-JP" altLang="en-US" smtClean="0"/>
-              <a:t>2026/2/6</a:t>
+              <a:t>2026/2/9</a:t>
             </a:fld>
             <a:endParaRPr kumimoji="1" lang="ja-JP" altLang="en-US"/>
           </a:p>
@@ -1451,7 +1452,7 @@
           <a:p>
             <a:fld id="{71150A30-90D7-485A-B792-D7379965FC98}" type="datetimeFigureOut">
               <a:rPr kumimoji="1" lang="ja-JP" altLang="en-US" smtClean="0"/>
-              <a:t>2026/2/6</a:t>
+              <a:t>2026/2/9</a:t>
             </a:fld>
             <a:endParaRPr kumimoji="1" lang="ja-JP" altLang="en-US"/>
           </a:p>
@@ -1695,7 +1696,7 @@
           <a:p>
             <a:fld id="{71150A30-90D7-485A-B792-D7379965FC98}" type="datetimeFigureOut">
               <a:rPr kumimoji="1" lang="ja-JP" altLang="en-US" smtClean="0"/>
-              <a:t>2026/2/6</a:t>
+              <a:t>2026/2/9</a:t>
             </a:fld>
             <a:endParaRPr kumimoji="1" lang="ja-JP" altLang="en-US"/>
           </a:p>
@@ -1991,7 +1992,7 @@
           <a:p>
             <a:fld id="{71150A30-90D7-485A-B792-D7379965FC98}" type="datetimeFigureOut">
               <a:rPr kumimoji="1" lang="ja-JP" altLang="en-US" smtClean="0"/>
-              <a:t>2026/2/6</a:t>
+              <a:t>2026/2/9</a:t>
             </a:fld>
             <a:endParaRPr kumimoji="1" lang="ja-JP" altLang="en-US"/>
           </a:p>
@@ -2422,7 +2423,7 @@
           <a:p>
             <a:fld id="{71150A30-90D7-485A-B792-D7379965FC98}" type="datetimeFigureOut">
               <a:rPr kumimoji="1" lang="ja-JP" altLang="en-US" smtClean="0"/>
-              <a:t>2026/2/6</a:t>
+              <a:t>2026/2/9</a:t>
             </a:fld>
             <a:endParaRPr kumimoji="1" lang="ja-JP" altLang="en-US"/>
           </a:p>
@@ -2540,7 +2541,7 @@
           <a:p>
             <a:fld id="{71150A30-90D7-485A-B792-D7379965FC98}" type="datetimeFigureOut">
               <a:rPr kumimoji="1" lang="ja-JP" altLang="en-US" smtClean="0"/>
-              <a:t>2026/2/6</a:t>
+              <a:t>2026/2/9</a:t>
             </a:fld>
             <a:endParaRPr kumimoji="1" lang="ja-JP" altLang="en-US"/>
           </a:p>
@@ -2635,7 +2636,7 @@
           <a:p>
             <a:fld id="{71150A30-90D7-485A-B792-D7379965FC98}" type="datetimeFigureOut">
               <a:rPr kumimoji="1" lang="ja-JP" altLang="en-US" smtClean="0"/>
-              <a:t>2026/2/6</a:t>
+              <a:t>2026/2/9</a:t>
             </a:fld>
             <a:endParaRPr kumimoji="1" lang="ja-JP" altLang="en-US"/>
           </a:p>
@@ -2944,7 +2945,7 @@
           <a:p>
             <a:fld id="{71150A30-90D7-485A-B792-D7379965FC98}" type="datetimeFigureOut">
               <a:rPr kumimoji="1" lang="ja-JP" altLang="en-US" smtClean="0"/>
-              <a:t>2026/2/6</a:t>
+              <a:t>2026/2/9</a:t>
             </a:fld>
             <a:endParaRPr kumimoji="1" lang="ja-JP" altLang="en-US"/>
           </a:p>
@@ -3201,7 +3202,7 @@
           <a:p>
             <a:fld id="{71150A30-90D7-485A-B792-D7379965FC98}" type="datetimeFigureOut">
               <a:rPr kumimoji="1" lang="ja-JP" altLang="en-US" smtClean="0"/>
-              <a:t>2026/2/6</a:t>
+              <a:t>2026/2/9</a:t>
             </a:fld>
             <a:endParaRPr kumimoji="1" lang="ja-JP" altLang="en-US"/>
           </a:p>
@@ -3446,7 +3447,7 @@
           <a:p>
             <a:fld id="{71150A30-90D7-485A-B792-D7379965FC98}" type="datetimeFigureOut">
               <a:rPr kumimoji="1" lang="ja-JP" altLang="en-US" smtClean="0"/>
-              <a:t>2026/2/6</a:t>
+              <a:t>2026/2/9</a:t>
             </a:fld>
             <a:endParaRPr kumimoji="1" lang="ja-JP" altLang="en-US"/>
           </a:p>
@@ -6989,6 +6990,3259 @@
 </file>
 
 <file path=ppt/slides/slide3.xml><?xml version="1.0" encoding="utf-8"?>
+<p:sld xmlns:a="http://schemas.openxmlformats.org/drawingml/2006/main" xmlns:r="http://schemas.openxmlformats.org/officeDocument/2006/relationships" xmlns:p="http://schemas.openxmlformats.org/presentationml/2006/main">
+  <p:cSld>
+    <p:bg>
+      <p:bgPr>
+        <a:blipFill dpi="0" rotWithShape="1">
+          <a:blip r:embed="rId2">
+            <a:lum/>
+          </a:blip>
+          <a:srcRect/>
+          <a:stretch>
+            <a:fillRect l="-2000" r="-2000"/>
+          </a:stretch>
+        </a:blipFill>
+        <a:effectLst/>
+      </p:bgPr>
+    </p:bg>
+    <p:spTree>
+      <p:nvGrpSpPr>
+        <p:cNvPr id="1" name="">
+          <a:extLst>
+            <a:ext uri="{FF2B5EF4-FFF2-40B4-BE49-F238E27FC236}">
+              <a16:creationId xmlns:a16="http://schemas.microsoft.com/office/drawing/2014/main" id="{88A17E51-F5A5-4538-BC82-5CB73028796C}"/>
+            </a:ext>
+          </a:extLst>
+        </p:cNvPr>
+        <p:cNvGrpSpPr/>
+        <p:nvPr/>
+      </p:nvGrpSpPr>
+      <p:grpSpPr>
+        <a:xfrm>
+          <a:off x="0" y="0"/>
+          <a:ext cx="0" cy="0"/>
+          <a:chOff x="0" y="0"/>
+          <a:chExt cx="0" cy="0"/>
+        </a:xfrm>
+      </p:grpSpPr>
+      <p:grpSp>
+        <p:nvGrpSpPr>
+          <p:cNvPr id="53" name="グループ化 52">
+            <a:extLst>
+              <a:ext uri="{FF2B5EF4-FFF2-40B4-BE49-F238E27FC236}">
+                <a16:creationId xmlns:a16="http://schemas.microsoft.com/office/drawing/2014/main" id="{33B5D1DE-7636-59B7-2DA5-417A9C3B017F}"/>
+              </a:ext>
+            </a:extLst>
+          </p:cNvPr>
+          <p:cNvGrpSpPr/>
+          <p:nvPr/>
+        </p:nvGrpSpPr>
+        <p:grpSpPr>
+          <a:xfrm>
+            <a:off x="7197532" y="-25122"/>
+            <a:ext cx="6886574" cy="9931122"/>
+            <a:chOff x="-13500" y="-4725"/>
+            <a:chExt cx="6886574" cy="9931122"/>
+          </a:xfrm>
+          <a:noFill/>
+        </p:grpSpPr>
+        <p:sp>
+          <p:nvSpPr>
+            <p:cNvPr id="54" name="正方形/長方形 53">
+              <a:extLst>
+                <a:ext uri="{FF2B5EF4-FFF2-40B4-BE49-F238E27FC236}">
+                  <a16:creationId xmlns:a16="http://schemas.microsoft.com/office/drawing/2014/main" id="{6B097305-9E7B-5EF7-32D5-ACCEA9B029F6}"/>
+                </a:ext>
+              </a:extLst>
+            </p:cNvPr>
+            <p:cNvSpPr/>
+            <p:nvPr/>
+          </p:nvSpPr>
+          <p:spPr>
+            <a:xfrm>
+              <a:off x="0" y="4103325"/>
+              <a:ext cx="6873074" cy="2372400"/>
+            </a:xfrm>
+            <a:prstGeom prst="rect">
+              <a:avLst/>
+            </a:prstGeom>
+            <a:grpFill/>
+          </p:spPr>
+          <p:style>
+            <a:lnRef idx="2">
+              <a:schemeClr val="accent1">
+                <a:shade val="15000"/>
+              </a:schemeClr>
+            </a:lnRef>
+            <a:fillRef idx="1">
+              <a:schemeClr val="accent1"/>
+            </a:fillRef>
+            <a:effectRef idx="0">
+              <a:schemeClr val="accent1"/>
+            </a:effectRef>
+            <a:fontRef idx="minor">
+              <a:schemeClr val="lt1"/>
+            </a:fontRef>
+          </p:style>
+          <p:txBody>
+            <a:bodyPr rtlCol="0" anchor="ctr"/>
+            <a:lstStyle/>
+            <a:p>
+              <a:pPr algn="ctr"/>
+              <a:endParaRPr kumimoji="1" lang="ja-JP" altLang="en-US">
+                <a:solidFill>
+                  <a:schemeClr val="tx1"/>
+                </a:solidFill>
+              </a:endParaRPr>
+            </a:p>
+          </p:txBody>
+        </p:sp>
+        <p:sp>
+          <p:nvSpPr>
+            <p:cNvPr id="55" name="正方形/長方形 54">
+              <a:extLst>
+                <a:ext uri="{FF2B5EF4-FFF2-40B4-BE49-F238E27FC236}">
+                  <a16:creationId xmlns:a16="http://schemas.microsoft.com/office/drawing/2014/main" id="{7F43AF5D-1C64-DD15-F5B7-3B8C1D194BD9}"/>
+                </a:ext>
+              </a:extLst>
+            </p:cNvPr>
+            <p:cNvSpPr/>
+            <p:nvPr/>
+          </p:nvSpPr>
+          <p:spPr>
+            <a:xfrm>
+              <a:off x="3429000" y="1714500"/>
+              <a:ext cx="1717200" cy="1717200"/>
+            </a:xfrm>
+            <a:prstGeom prst="rect">
+              <a:avLst/>
+            </a:prstGeom>
+            <a:grpFill/>
+          </p:spPr>
+          <p:style>
+            <a:lnRef idx="2">
+              <a:schemeClr val="accent1">
+                <a:shade val="15000"/>
+              </a:schemeClr>
+            </a:lnRef>
+            <a:fillRef idx="1">
+              <a:schemeClr val="accent1"/>
+            </a:fillRef>
+            <a:effectRef idx="0">
+              <a:schemeClr val="accent1"/>
+            </a:effectRef>
+            <a:fontRef idx="minor">
+              <a:schemeClr val="lt1"/>
+            </a:fontRef>
+          </p:style>
+          <p:txBody>
+            <a:bodyPr rtlCol="0" anchor="ctr"/>
+            <a:lstStyle/>
+            <a:p>
+              <a:pPr algn="ctr"/>
+              <a:endParaRPr kumimoji="1" lang="ja-JP" altLang="en-US">
+                <a:solidFill>
+                  <a:schemeClr val="tx1"/>
+                </a:solidFill>
+              </a:endParaRPr>
+            </a:p>
+          </p:txBody>
+        </p:sp>
+        <p:sp>
+          <p:nvSpPr>
+            <p:cNvPr id="56" name="正方形/長方形 55">
+              <a:extLst>
+                <a:ext uri="{FF2B5EF4-FFF2-40B4-BE49-F238E27FC236}">
+                  <a16:creationId xmlns:a16="http://schemas.microsoft.com/office/drawing/2014/main" id="{7FD56452-92D7-D830-7C7B-8507222384F2}"/>
+                </a:ext>
+              </a:extLst>
+            </p:cNvPr>
+            <p:cNvSpPr/>
+            <p:nvPr/>
+          </p:nvSpPr>
+          <p:spPr>
+            <a:xfrm>
+              <a:off x="1711800" y="1714500"/>
+              <a:ext cx="1717200" cy="1717200"/>
+            </a:xfrm>
+            <a:prstGeom prst="rect">
+              <a:avLst/>
+            </a:prstGeom>
+            <a:grpFill/>
+          </p:spPr>
+          <p:style>
+            <a:lnRef idx="2">
+              <a:schemeClr val="accent1">
+                <a:shade val="15000"/>
+              </a:schemeClr>
+            </a:lnRef>
+            <a:fillRef idx="1">
+              <a:schemeClr val="accent1"/>
+            </a:fillRef>
+            <a:effectRef idx="0">
+              <a:schemeClr val="accent1"/>
+            </a:effectRef>
+            <a:fontRef idx="minor">
+              <a:schemeClr val="lt1"/>
+            </a:fontRef>
+          </p:style>
+          <p:txBody>
+            <a:bodyPr rtlCol="0" anchor="ctr"/>
+            <a:lstStyle/>
+            <a:p>
+              <a:pPr algn="ctr"/>
+              <a:endParaRPr kumimoji="1" lang="ja-JP" altLang="en-US">
+                <a:solidFill>
+                  <a:schemeClr val="tx1"/>
+                </a:solidFill>
+              </a:endParaRPr>
+            </a:p>
+          </p:txBody>
+        </p:sp>
+        <p:sp>
+          <p:nvSpPr>
+            <p:cNvPr id="57" name="正方形/長方形 56">
+              <a:extLst>
+                <a:ext uri="{FF2B5EF4-FFF2-40B4-BE49-F238E27FC236}">
+                  <a16:creationId xmlns:a16="http://schemas.microsoft.com/office/drawing/2014/main" id="{304F861B-D6FA-C6CB-67AA-8BD02A06694D}"/>
+                </a:ext>
+              </a:extLst>
+            </p:cNvPr>
+            <p:cNvSpPr/>
+            <p:nvPr/>
+          </p:nvSpPr>
+          <p:spPr>
+            <a:xfrm>
+              <a:off x="-13500" y="1727326"/>
+              <a:ext cx="1717200" cy="4749674"/>
+            </a:xfrm>
+            <a:prstGeom prst="rect">
+              <a:avLst/>
+            </a:prstGeom>
+            <a:grpFill/>
+          </p:spPr>
+          <p:style>
+            <a:lnRef idx="2">
+              <a:schemeClr val="accent1">
+                <a:shade val="15000"/>
+              </a:schemeClr>
+            </a:lnRef>
+            <a:fillRef idx="1">
+              <a:schemeClr val="accent1"/>
+            </a:fillRef>
+            <a:effectRef idx="0">
+              <a:schemeClr val="accent1"/>
+            </a:effectRef>
+            <a:fontRef idx="minor">
+              <a:schemeClr val="lt1"/>
+            </a:fontRef>
+          </p:style>
+          <p:txBody>
+            <a:bodyPr rtlCol="0" anchor="ctr"/>
+            <a:lstStyle/>
+            <a:p>
+              <a:pPr algn="ctr"/>
+              <a:endParaRPr kumimoji="1" lang="ja-JP" altLang="en-US">
+                <a:solidFill>
+                  <a:schemeClr val="tx1"/>
+                </a:solidFill>
+              </a:endParaRPr>
+            </a:p>
+          </p:txBody>
+        </p:sp>
+        <p:sp>
+          <p:nvSpPr>
+            <p:cNvPr id="58" name="正方形/長方形 57">
+              <a:extLst>
+                <a:ext uri="{FF2B5EF4-FFF2-40B4-BE49-F238E27FC236}">
+                  <a16:creationId xmlns:a16="http://schemas.microsoft.com/office/drawing/2014/main" id="{F41C2462-197A-C72C-2C64-88A2CCA2FC3B}"/>
+                </a:ext>
+              </a:extLst>
+            </p:cNvPr>
+            <p:cNvSpPr/>
+            <p:nvPr/>
+          </p:nvSpPr>
+          <p:spPr>
+            <a:xfrm>
+              <a:off x="5151600" y="1727324"/>
+              <a:ext cx="1717200" cy="4749675"/>
+            </a:xfrm>
+            <a:prstGeom prst="rect">
+              <a:avLst/>
+            </a:prstGeom>
+            <a:grpFill/>
+          </p:spPr>
+          <p:style>
+            <a:lnRef idx="2">
+              <a:schemeClr val="accent1">
+                <a:shade val="15000"/>
+              </a:schemeClr>
+            </a:lnRef>
+            <a:fillRef idx="1">
+              <a:schemeClr val="accent1"/>
+            </a:fillRef>
+            <a:effectRef idx="0">
+              <a:schemeClr val="accent1"/>
+            </a:effectRef>
+            <a:fontRef idx="minor">
+              <a:schemeClr val="lt1"/>
+            </a:fontRef>
+          </p:style>
+          <p:txBody>
+            <a:bodyPr rtlCol="0" anchor="ctr"/>
+            <a:lstStyle/>
+            <a:p>
+              <a:pPr algn="ctr"/>
+              <a:endParaRPr kumimoji="1" lang="ja-JP" altLang="en-US" dirty="0">
+                <a:solidFill>
+                  <a:schemeClr val="tx1"/>
+                </a:solidFill>
+              </a:endParaRPr>
+            </a:p>
+          </p:txBody>
+        </p:sp>
+        <p:sp>
+          <p:nvSpPr>
+            <p:cNvPr id="59" name="正方形/長方形 58">
+              <a:extLst>
+                <a:ext uri="{FF2B5EF4-FFF2-40B4-BE49-F238E27FC236}">
+                  <a16:creationId xmlns:a16="http://schemas.microsoft.com/office/drawing/2014/main" id="{9DFB4B37-2C2A-7046-41DB-7CCBD8D34A00}"/>
+                </a:ext>
+              </a:extLst>
+            </p:cNvPr>
+            <p:cNvSpPr/>
+            <p:nvPr/>
+          </p:nvSpPr>
+          <p:spPr>
+            <a:xfrm>
+              <a:off x="1705052" y="1727325"/>
+              <a:ext cx="3445199" cy="2372400"/>
+            </a:xfrm>
+            <a:prstGeom prst="rect">
+              <a:avLst/>
+            </a:prstGeom>
+            <a:grpFill/>
+          </p:spPr>
+          <p:style>
+            <a:lnRef idx="2">
+              <a:schemeClr val="accent1">
+                <a:shade val="15000"/>
+              </a:schemeClr>
+            </a:lnRef>
+            <a:fillRef idx="1">
+              <a:schemeClr val="accent1"/>
+            </a:fillRef>
+            <a:effectRef idx="0">
+              <a:schemeClr val="accent1"/>
+            </a:effectRef>
+            <a:fontRef idx="minor">
+              <a:schemeClr val="lt1"/>
+            </a:fontRef>
+          </p:style>
+          <p:txBody>
+            <a:bodyPr rtlCol="0" anchor="ctr"/>
+            <a:lstStyle/>
+            <a:p>
+              <a:pPr algn="ctr"/>
+              <a:endParaRPr kumimoji="1" lang="ja-JP" altLang="en-US">
+                <a:solidFill>
+                  <a:schemeClr val="tx1"/>
+                </a:solidFill>
+              </a:endParaRPr>
+            </a:p>
+          </p:txBody>
+        </p:sp>
+        <p:sp>
+          <p:nvSpPr>
+            <p:cNvPr id="60" name="二等辺三角形 59">
+              <a:extLst>
+                <a:ext uri="{FF2B5EF4-FFF2-40B4-BE49-F238E27FC236}">
+                  <a16:creationId xmlns:a16="http://schemas.microsoft.com/office/drawing/2014/main" id="{4E7A7767-1B7C-3A8A-E949-82594DE4D519}"/>
+                </a:ext>
+              </a:extLst>
+            </p:cNvPr>
+            <p:cNvSpPr/>
+            <p:nvPr/>
+          </p:nvSpPr>
+          <p:spPr>
+            <a:xfrm rot="8100000">
+              <a:off x="2250542" y="505136"/>
+              <a:ext cx="2387637" cy="2429076"/>
+            </a:xfrm>
+            <a:prstGeom prst="triangle">
+              <a:avLst>
+                <a:gd name="adj" fmla="val 0"/>
+              </a:avLst>
+            </a:prstGeom>
+            <a:grpFill/>
+          </p:spPr>
+          <p:style>
+            <a:lnRef idx="2">
+              <a:schemeClr val="accent1">
+                <a:shade val="15000"/>
+              </a:schemeClr>
+            </a:lnRef>
+            <a:fillRef idx="1">
+              <a:schemeClr val="accent1"/>
+            </a:fillRef>
+            <a:effectRef idx="0">
+              <a:schemeClr val="accent1"/>
+            </a:effectRef>
+            <a:fontRef idx="minor">
+              <a:schemeClr val="lt1"/>
+            </a:fontRef>
+          </p:style>
+          <p:txBody>
+            <a:bodyPr rtlCol="0" anchor="ctr"/>
+            <a:lstStyle/>
+            <a:p>
+              <a:pPr algn="ctr"/>
+              <a:endParaRPr kumimoji="1" lang="ja-JP" altLang="en-US">
+                <a:solidFill>
+                  <a:schemeClr val="tx1"/>
+                </a:solidFill>
+              </a:endParaRPr>
+            </a:p>
+          </p:txBody>
+        </p:sp>
+        <p:sp>
+          <p:nvSpPr>
+            <p:cNvPr id="61" name="二等辺三角形 60">
+              <a:extLst>
+                <a:ext uri="{FF2B5EF4-FFF2-40B4-BE49-F238E27FC236}">
+                  <a16:creationId xmlns:a16="http://schemas.microsoft.com/office/drawing/2014/main" id="{39C62C10-CA2A-B03F-1DA0-25A1410EF283}"/>
+                </a:ext>
+              </a:extLst>
+            </p:cNvPr>
+            <p:cNvSpPr/>
+            <p:nvPr/>
+          </p:nvSpPr>
+          <p:spPr>
+            <a:xfrm rot="18900000">
+              <a:off x="2226797" y="6985286"/>
+              <a:ext cx="2387637" cy="2429076"/>
+            </a:xfrm>
+            <a:prstGeom prst="triangle">
+              <a:avLst>
+                <a:gd name="adj" fmla="val 0"/>
+              </a:avLst>
+            </a:prstGeom>
+            <a:grpFill/>
+          </p:spPr>
+          <p:style>
+            <a:lnRef idx="2">
+              <a:schemeClr val="accent1">
+                <a:shade val="15000"/>
+              </a:schemeClr>
+            </a:lnRef>
+            <a:fillRef idx="1">
+              <a:schemeClr val="accent1"/>
+            </a:fillRef>
+            <a:effectRef idx="0">
+              <a:schemeClr val="accent1"/>
+            </a:effectRef>
+            <a:fontRef idx="minor">
+              <a:schemeClr val="lt1"/>
+            </a:fontRef>
+          </p:style>
+          <p:txBody>
+            <a:bodyPr rtlCol="0" anchor="ctr"/>
+            <a:lstStyle/>
+            <a:p>
+              <a:pPr algn="ctr"/>
+              <a:endParaRPr kumimoji="1" lang="ja-JP" altLang="en-US">
+                <a:solidFill>
+                  <a:schemeClr val="tx1"/>
+                </a:solidFill>
+              </a:endParaRPr>
+            </a:p>
+          </p:txBody>
+        </p:sp>
+        <p:sp>
+          <p:nvSpPr>
+            <p:cNvPr id="62" name="正方形/長方形 61">
+              <a:extLst>
+                <a:ext uri="{FF2B5EF4-FFF2-40B4-BE49-F238E27FC236}">
+                  <a16:creationId xmlns:a16="http://schemas.microsoft.com/office/drawing/2014/main" id="{4FB8A06E-50D2-6BB8-6605-71E37202A7D0}"/>
+                </a:ext>
+              </a:extLst>
+            </p:cNvPr>
+            <p:cNvSpPr/>
+            <p:nvPr/>
+          </p:nvSpPr>
+          <p:spPr>
+            <a:xfrm>
+              <a:off x="3429000" y="6474300"/>
+              <a:ext cx="1717200" cy="1717200"/>
+            </a:xfrm>
+            <a:prstGeom prst="rect">
+              <a:avLst/>
+            </a:prstGeom>
+            <a:grpFill/>
+          </p:spPr>
+          <p:style>
+            <a:lnRef idx="2">
+              <a:schemeClr val="accent1">
+                <a:shade val="15000"/>
+              </a:schemeClr>
+            </a:lnRef>
+            <a:fillRef idx="1">
+              <a:schemeClr val="accent1"/>
+            </a:fillRef>
+            <a:effectRef idx="0">
+              <a:schemeClr val="accent1"/>
+            </a:effectRef>
+            <a:fontRef idx="minor">
+              <a:schemeClr val="lt1"/>
+            </a:fontRef>
+          </p:style>
+          <p:txBody>
+            <a:bodyPr rtlCol="0" anchor="ctr"/>
+            <a:lstStyle/>
+            <a:p>
+              <a:pPr algn="ctr"/>
+              <a:endParaRPr kumimoji="1" lang="ja-JP" altLang="en-US">
+                <a:solidFill>
+                  <a:schemeClr val="tx1"/>
+                </a:solidFill>
+              </a:endParaRPr>
+            </a:p>
+          </p:txBody>
+        </p:sp>
+        <p:sp>
+          <p:nvSpPr>
+            <p:cNvPr id="63" name="正方形/長方形 62">
+              <a:extLst>
+                <a:ext uri="{FF2B5EF4-FFF2-40B4-BE49-F238E27FC236}">
+                  <a16:creationId xmlns:a16="http://schemas.microsoft.com/office/drawing/2014/main" id="{E534FA0B-BF2F-BE22-72B2-E22B67BF36B1}"/>
+                </a:ext>
+              </a:extLst>
+            </p:cNvPr>
+            <p:cNvSpPr/>
+            <p:nvPr/>
+          </p:nvSpPr>
+          <p:spPr>
+            <a:xfrm>
+              <a:off x="5146200" y="6474300"/>
+              <a:ext cx="1717200" cy="1717200"/>
+            </a:xfrm>
+            <a:prstGeom prst="rect">
+              <a:avLst/>
+            </a:prstGeom>
+            <a:grpFill/>
+          </p:spPr>
+          <p:style>
+            <a:lnRef idx="2">
+              <a:schemeClr val="accent1">
+                <a:shade val="15000"/>
+              </a:schemeClr>
+            </a:lnRef>
+            <a:fillRef idx="1">
+              <a:schemeClr val="accent1"/>
+            </a:fillRef>
+            <a:effectRef idx="0">
+              <a:schemeClr val="accent1"/>
+            </a:effectRef>
+            <a:fontRef idx="minor">
+              <a:schemeClr val="lt1"/>
+            </a:fontRef>
+          </p:style>
+          <p:txBody>
+            <a:bodyPr rtlCol="0" anchor="ctr"/>
+            <a:lstStyle/>
+            <a:p>
+              <a:pPr algn="ctr"/>
+              <a:endParaRPr kumimoji="1" lang="ja-JP" altLang="en-US">
+                <a:solidFill>
+                  <a:schemeClr val="tx1"/>
+                </a:solidFill>
+              </a:endParaRPr>
+            </a:p>
+          </p:txBody>
+        </p:sp>
+        <p:sp>
+          <p:nvSpPr>
+            <p:cNvPr id="64" name="正方形/長方形 63">
+              <a:extLst>
+                <a:ext uri="{FF2B5EF4-FFF2-40B4-BE49-F238E27FC236}">
+                  <a16:creationId xmlns:a16="http://schemas.microsoft.com/office/drawing/2014/main" id="{34301834-AFE6-FEF1-7707-8F7F747D5CC5}"/>
+                </a:ext>
+              </a:extLst>
+            </p:cNvPr>
+            <p:cNvSpPr/>
+            <p:nvPr/>
+          </p:nvSpPr>
+          <p:spPr>
+            <a:xfrm>
+              <a:off x="-5400" y="6474300"/>
+              <a:ext cx="1717200" cy="1717200"/>
+            </a:xfrm>
+            <a:prstGeom prst="rect">
+              <a:avLst/>
+            </a:prstGeom>
+            <a:grpFill/>
+          </p:spPr>
+          <p:style>
+            <a:lnRef idx="2">
+              <a:schemeClr val="accent1">
+                <a:shade val="15000"/>
+              </a:schemeClr>
+            </a:lnRef>
+            <a:fillRef idx="1">
+              <a:schemeClr val="accent1"/>
+            </a:fillRef>
+            <a:effectRef idx="0">
+              <a:schemeClr val="accent1"/>
+            </a:effectRef>
+            <a:fontRef idx="minor">
+              <a:schemeClr val="lt1"/>
+            </a:fontRef>
+          </p:style>
+          <p:txBody>
+            <a:bodyPr rtlCol="0" anchor="ctr"/>
+            <a:lstStyle/>
+            <a:p>
+              <a:pPr algn="ctr"/>
+              <a:endParaRPr kumimoji="1" lang="ja-JP" altLang="en-US">
+                <a:solidFill>
+                  <a:schemeClr val="tx1"/>
+                </a:solidFill>
+              </a:endParaRPr>
+            </a:p>
+          </p:txBody>
+        </p:sp>
+        <p:sp>
+          <p:nvSpPr>
+            <p:cNvPr id="65" name="正方形/長方形 64">
+              <a:extLst>
+                <a:ext uri="{FF2B5EF4-FFF2-40B4-BE49-F238E27FC236}">
+                  <a16:creationId xmlns:a16="http://schemas.microsoft.com/office/drawing/2014/main" id="{E7DCB39D-8AD4-E28B-6B2F-70FAF92AC653}"/>
+                </a:ext>
+              </a:extLst>
+            </p:cNvPr>
+            <p:cNvSpPr/>
+            <p:nvPr/>
+          </p:nvSpPr>
+          <p:spPr>
+            <a:xfrm>
+              <a:off x="1711800" y="6474300"/>
+              <a:ext cx="1717200" cy="1717200"/>
+            </a:xfrm>
+            <a:prstGeom prst="rect">
+              <a:avLst/>
+            </a:prstGeom>
+            <a:grpFill/>
+          </p:spPr>
+          <p:style>
+            <a:lnRef idx="2">
+              <a:schemeClr val="accent1">
+                <a:shade val="15000"/>
+              </a:schemeClr>
+            </a:lnRef>
+            <a:fillRef idx="1">
+              <a:schemeClr val="accent1"/>
+            </a:fillRef>
+            <a:effectRef idx="0">
+              <a:schemeClr val="accent1"/>
+            </a:effectRef>
+            <a:fontRef idx="minor">
+              <a:schemeClr val="lt1"/>
+            </a:fontRef>
+          </p:style>
+          <p:txBody>
+            <a:bodyPr rtlCol="0" anchor="ctr"/>
+            <a:lstStyle/>
+            <a:p>
+              <a:pPr algn="ctr"/>
+              <a:endParaRPr kumimoji="1" lang="ja-JP" altLang="en-US">
+                <a:solidFill>
+                  <a:schemeClr val="tx1"/>
+                </a:solidFill>
+              </a:endParaRPr>
+            </a:p>
+          </p:txBody>
+        </p:sp>
+        <p:sp>
+          <p:nvSpPr>
+            <p:cNvPr id="66" name="二等辺三角形 65">
+              <a:extLst>
+                <a:ext uri="{FF2B5EF4-FFF2-40B4-BE49-F238E27FC236}">
+                  <a16:creationId xmlns:a16="http://schemas.microsoft.com/office/drawing/2014/main" id="{655A630B-875A-4F45-907E-D74DDE497E2D}"/>
+                </a:ext>
+              </a:extLst>
+            </p:cNvPr>
+            <p:cNvSpPr/>
+            <p:nvPr/>
+          </p:nvSpPr>
+          <p:spPr>
+            <a:xfrm>
+              <a:off x="2925" y="6491997"/>
+              <a:ext cx="3434400" cy="3428550"/>
+            </a:xfrm>
+            <a:prstGeom prst="triangle">
+              <a:avLst>
+                <a:gd name="adj" fmla="val 0"/>
+              </a:avLst>
+            </a:prstGeom>
+            <a:grpFill/>
+          </p:spPr>
+          <p:style>
+            <a:lnRef idx="2">
+              <a:schemeClr val="accent1">
+                <a:shade val="15000"/>
+              </a:schemeClr>
+            </a:lnRef>
+            <a:fillRef idx="1">
+              <a:schemeClr val="accent1"/>
+            </a:fillRef>
+            <a:effectRef idx="0">
+              <a:schemeClr val="accent1"/>
+            </a:effectRef>
+            <a:fontRef idx="minor">
+              <a:schemeClr val="lt1"/>
+            </a:fontRef>
+          </p:style>
+          <p:txBody>
+            <a:bodyPr rtlCol="0" anchor="ctr"/>
+            <a:lstStyle/>
+            <a:p>
+              <a:pPr algn="ctr"/>
+              <a:endParaRPr kumimoji="1" lang="ja-JP" altLang="en-US">
+                <a:solidFill>
+                  <a:schemeClr val="tx1"/>
+                </a:solidFill>
+              </a:endParaRPr>
+            </a:p>
+          </p:txBody>
+        </p:sp>
+        <p:sp>
+          <p:nvSpPr>
+            <p:cNvPr id="67" name="二等辺三角形 66">
+              <a:extLst>
+                <a:ext uri="{FF2B5EF4-FFF2-40B4-BE49-F238E27FC236}">
+                  <a16:creationId xmlns:a16="http://schemas.microsoft.com/office/drawing/2014/main" id="{F5E61AAA-FD7A-544F-20FC-0E82D83F3DAB}"/>
+                </a:ext>
+              </a:extLst>
+            </p:cNvPr>
+            <p:cNvSpPr/>
+            <p:nvPr/>
+          </p:nvSpPr>
+          <p:spPr>
+            <a:xfrm rot="16200000">
+              <a:off x="3430576" y="6494922"/>
+              <a:ext cx="3434400" cy="3428550"/>
+            </a:xfrm>
+            <a:prstGeom prst="triangle">
+              <a:avLst>
+                <a:gd name="adj" fmla="val 0"/>
+              </a:avLst>
+            </a:prstGeom>
+            <a:grpFill/>
+          </p:spPr>
+          <p:style>
+            <a:lnRef idx="2">
+              <a:schemeClr val="accent1">
+                <a:shade val="15000"/>
+              </a:schemeClr>
+            </a:lnRef>
+            <a:fillRef idx="1">
+              <a:schemeClr val="accent1"/>
+            </a:fillRef>
+            <a:effectRef idx="0">
+              <a:schemeClr val="accent1"/>
+            </a:effectRef>
+            <a:fontRef idx="minor">
+              <a:schemeClr val="lt1"/>
+            </a:fontRef>
+          </p:style>
+          <p:txBody>
+            <a:bodyPr rtlCol="0" anchor="ctr"/>
+            <a:lstStyle/>
+            <a:p>
+              <a:pPr algn="ctr"/>
+              <a:endParaRPr kumimoji="1" lang="ja-JP" altLang="en-US">
+                <a:solidFill>
+                  <a:schemeClr val="tx1"/>
+                </a:solidFill>
+              </a:endParaRPr>
+            </a:p>
+          </p:txBody>
+        </p:sp>
+        <p:sp>
+          <p:nvSpPr>
+            <p:cNvPr id="68" name="二等辺三角形 67">
+              <a:extLst>
+                <a:ext uri="{FF2B5EF4-FFF2-40B4-BE49-F238E27FC236}">
+                  <a16:creationId xmlns:a16="http://schemas.microsoft.com/office/drawing/2014/main" id="{6A826846-E123-4238-32B7-7CD7A0CFFC96}"/>
+                </a:ext>
+              </a:extLst>
+            </p:cNvPr>
+            <p:cNvSpPr/>
+            <p:nvPr/>
+          </p:nvSpPr>
+          <p:spPr>
+            <a:xfrm rot="10800000">
+              <a:off x="3427651" y="-1049"/>
+              <a:ext cx="3434400" cy="3428550"/>
+            </a:xfrm>
+            <a:prstGeom prst="triangle">
+              <a:avLst>
+                <a:gd name="adj" fmla="val 0"/>
+              </a:avLst>
+            </a:prstGeom>
+            <a:grpFill/>
+          </p:spPr>
+          <p:style>
+            <a:lnRef idx="2">
+              <a:schemeClr val="accent1">
+                <a:shade val="15000"/>
+              </a:schemeClr>
+            </a:lnRef>
+            <a:fillRef idx="1">
+              <a:schemeClr val="accent1"/>
+            </a:fillRef>
+            <a:effectRef idx="0">
+              <a:schemeClr val="accent1"/>
+            </a:effectRef>
+            <a:fontRef idx="minor">
+              <a:schemeClr val="lt1"/>
+            </a:fontRef>
+          </p:style>
+          <p:txBody>
+            <a:bodyPr rtlCol="0" anchor="ctr"/>
+            <a:lstStyle/>
+            <a:p>
+              <a:pPr algn="ctr"/>
+              <a:endParaRPr kumimoji="1" lang="ja-JP" altLang="en-US">
+                <a:solidFill>
+                  <a:schemeClr val="tx1"/>
+                </a:solidFill>
+              </a:endParaRPr>
+            </a:p>
+          </p:txBody>
+        </p:sp>
+        <p:sp>
+          <p:nvSpPr>
+            <p:cNvPr id="69" name="二等辺三角形 68">
+              <a:extLst>
+                <a:ext uri="{FF2B5EF4-FFF2-40B4-BE49-F238E27FC236}">
+                  <a16:creationId xmlns:a16="http://schemas.microsoft.com/office/drawing/2014/main" id="{4787CAED-15E3-F6FD-4A09-7FA2D186E379}"/>
+                </a:ext>
+              </a:extLst>
+            </p:cNvPr>
+            <p:cNvSpPr/>
+            <p:nvPr/>
+          </p:nvSpPr>
+          <p:spPr>
+            <a:xfrm rot="5400000">
+              <a:off x="0" y="-1800"/>
+              <a:ext cx="3434400" cy="3428550"/>
+            </a:xfrm>
+            <a:prstGeom prst="triangle">
+              <a:avLst>
+                <a:gd name="adj" fmla="val 0"/>
+              </a:avLst>
+            </a:prstGeom>
+            <a:grpFill/>
+          </p:spPr>
+          <p:style>
+            <a:lnRef idx="2">
+              <a:schemeClr val="accent1">
+                <a:shade val="15000"/>
+              </a:schemeClr>
+            </a:lnRef>
+            <a:fillRef idx="1">
+              <a:schemeClr val="accent1"/>
+            </a:fillRef>
+            <a:effectRef idx="0">
+              <a:schemeClr val="accent1"/>
+            </a:effectRef>
+            <a:fontRef idx="minor">
+              <a:schemeClr val="lt1"/>
+            </a:fontRef>
+          </p:style>
+          <p:txBody>
+            <a:bodyPr rtlCol="0" anchor="ctr"/>
+            <a:lstStyle/>
+            <a:p>
+              <a:pPr algn="ctr"/>
+              <a:endParaRPr kumimoji="1" lang="ja-JP" altLang="en-US">
+                <a:solidFill>
+                  <a:schemeClr val="tx1"/>
+                </a:solidFill>
+              </a:endParaRPr>
+            </a:p>
+          </p:txBody>
+        </p:sp>
+        <p:sp>
+          <p:nvSpPr>
+            <p:cNvPr id="70" name="正方形/長方形 69">
+              <a:extLst>
+                <a:ext uri="{FF2B5EF4-FFF2-40B4-BE49-F238E27FC236}">
+                  <a16:creationId xmlns:a16="http://schemas.microsoft.com/office/drawing/2014/main" id="{C789F3E3-19FD-B6D0-B3A5-1EAAAB1C8208}"/>
+                </a:ext>
+              </a:extLst>
+            </p:cNvPr>
+            <p:cNvSpPr/>
+            <p:nvPr/>
+          </p:nvSpPr>
+          <p:spPr>
+            <a:xfrm>
+              <a:off x="3429000" y="4733493"/>
+              <a:ext cx="1717200" cy="1717200"/>
+            </a:xfrm>
+            <a:prstGeom prst="rect">
+              <a:avLst/>
+            </a:prstGeom>
+            <a:grpFill/>
+          </p:spPr>
+          <p:style>
+            <a:lnRef idx="2">
+              <a:schemeClr val="accent1">
+                <a:shade val="15000"/>
+              </a:schemeClr>
+            </a:lnRef>
+            <a:fillRef idx="1">
+              <a:schemeClr val="accent1"/>
+            </a:fillRef>
+            <a:effectRef idx="0">
+              <a:schemeClr val="accent1"/>
+            </a:effectRef>
+            <a:fontRef idx="minor">
+              <a:schemeClr val="lt1"/>
+            </a:fontRef>
+          </p:style>
+          <p:txBody>
+            <a:bodyPr rtlCol="0" anchor="ctr"/>
+            <a:lstStyle/>
+            <a:p>
+              <a:pPr algn="ctr"/>
+              <a:endParaRPr kumimoji="1" lang="ja-JP" altLang="en-US">
+                <a:solidFill>
+                  <a:schemeClr val="tx1"/>
+                </a:solidFill>
+              </a:endParaRPr>
+            </a:p>
+          </p:txBody>
+        </p:sp>
+        <p:sp>
+          <p:nvSpPr>
+            <p:cNvPr id="71" name="正方形/長方形 70">
+              <a:extLst>
+                <a:ext uri="{FF2B5EF4-FFF2-40B4-BE49-F238E27FC236}">
+                  <a16:creationId xmlns:a16="http://schemas.microsoft.com/office/drawing/2014/main" id="{7511B82D-D3DE-1864-8E29-3E775DCEAF87}"/>
+                </a:ext>
+              </a:extLst>
+            </p:cNvPr>
+            <p:cNvSpPr/>
+            <p:nvPr/>
+          </p:nvSpPr>
+          <p:spPr>
+            <a:xfrm>
+              <a:off x="1711800" y="4733493"/>
+              <a:ext cx="1717200" cy="1717200"/>
+            </a:xfrm>
+            <a:prstGeom prst="rect">
+              <a:avLst/>
+            </a:prstGeom>
+            <a:grpFill/>
+          </p:spPr>
+          <p:style>
+            <a:lnRef idx="2">
+              <a:schemeClr val="accent1">
+                <a:shade val="15000"/>
+              </a:schemeClr>
+            </a:lnRef>
+            <a:fillRef idx="1">
+              <a:schemeClr val="accent1"/>
+            </a:fillRef>
+            <a:effectRef idx="0">
+              <a:schemeClr val="accent1"/>
+            </a:effectRef>
+            <a:fontRef idx="minor">
+              <a:schemeClr val="lt1"/>
+            </a:fontRef>
+          </p:style>
+          <p:txBody>
+            <a:bodyPr rtlCol="0" anchor="ctr"/>
+            <a:lstStyle/>
+            <a:p>
+              <a:pPr algn="ctr"/>
+              <a:endParaRPr kumimoji="1" lang="ja-JP" altLang="en-US">
+                <a:solidFill>
+                  <a:schemeClr val="tx1"/>
+                </a:solidFill>
+              </a:endParaRPr>
+            </a:p>
+          </p:txBody>
+        </p:sp>
+        <p:sp>
+          <p:nvSpPr>
+            <p:cNvPr id="72" name="正方形/長方形 71">
+              <a:extLst>
+                <a:ext uri="{FF2B5EF4-FFF2-40B4-BE49-F238E27FC236}">
+                  <a16:creationId xmlns:a16="http://schemas.microsoft.com/office/drawing/2014/main" id="{6F69EDB4-766E-6DBA-9BF6-0B292F587422}"/>
+                </a:ext>
+              </a:extLst>
+            </p:cNvPr>
+            <p:cNvSpPr/>
+            <p:nvPr/>
+          </p:nvSpPr>
+          <p:spPr>
+            <a:xfrm>
+              <a:off x="2836822" y="8499566"/>
+              <a:ext cx="1217655" cy="485726"/>
+            </a:xfrm>
+            <a:prstGeom prst="rect">
+              <a:avLst/>
+            </a:prstGeom>
+            <a:grpFill/>
+            <a:ln>
+              <a:noFill/>
+            </a:ln>
+          </p:spPr>
+          <p:style>
+            <a:lnRef idx="2">
+              <a:schemeClr val="accent1">
+                <a:shade val="15000"/>
+              </a:schemeClr>
+            </a:lnRef>
+            <a:fillRef idx="1">
+              <a:schemeClr val="accent1"/>
+            </a:fillRef>
+            <a:effectRef idx="0">
+              <a:schemeClr val="accent1"/>
+            </a:effectRef>
+            <a:fontRef idx="minor">
+              <a:schemeClr val="lt1"/>
+            </a:fontRef>
+          </p:style>
+          <p:txBody>
+            <a:bodyPr rtlCol="0" anchor="ctr"/>
+            <a:lstStyle/>
+            <a:p>
+              <a:pPr algn="ctr"/>
+              <a:r>
+                <a:rPr kumimoji="1" lang="ja-JP" altLang="en-US" dirty="0">
+                  <a:solidFill>
+                    <a:schemeClr val="tx1"/>
+                  </a:solidFill>
+                </a:rPr>
+                <a:t>カード</a:t>
+              </a:r>
+            </a:p>
+          </p:txBody>
+        </p:sp>
+        <p:sp>
+          <p:nvSpPr>
+            <p:cNvPr id="73" name="正方形/長方形 72">
+              <a:extLst>
+                <a:ext uri="{FF2B5EF4-FFF2-40B4-BE49-F238E27FC236}">
+                  <a16:creationId xmlns:a16="http://schemas.microsoft.com/office/drawing/2014/main" id="{B6C40D29-30A4-9E86-41CB-23CE918E5999}"/>
+                </a:ext>
+              </a:extLst>
+            </p:cNvPr>
+            <p:cNvSpPr/>
+            <p:nvPr/>
+          </p:nvSpPr>
+          <p:spPr>
+            <a:xfrm>
+              <a:off x="201655" y="8499566"/>
+              <a:ext cx="1217655" cy="485726"/>
+            </a:xfrm>
+            <a:prstGeom prst="rect">
+              <a:avLst/>
+            </a:prstGeom>
+            <a:grpFill/>
+            <a:ln>
+              <a:noFill/>
+            </a:ln>
+          </p:spPr>
+          <p:style>
+            <a:lnRef idx="2">
+              <a:schemeClr val="accent1">
+                <a:shade val="15000"/>
+              </a:schemeClr>
+            </a:lnRef>
+            <a:fillRef idx="1">
+              <a:schemeClr val="accent1"/>
+            </a:fillRef>
+            <a:effectRef idx="0">
+              <a:schemeClr val="accent1"/>
+            </a:effectRef>
+            <a:fontRef idx="minor">
+              <a:schemeClr val="lt1"/>
+            </a:fontRef>
+          </p:style>
+          <p:txBody>
+            <a:bodyPr rtlCol="0" anchor="ctr"/>
+            <a:lstStyle/>
+            <a:p>
+              <a:pPr algn="ctr"/>
+              <a:r>
+                <a:rPr kumimoji="1" lang="ja-JP" altLang="en-US" dirty="0">
+                  <a:solidFill>
+                    <a:schemeClr val="tx1"/>
+                  </a:solidFill>
+                </a:rPr>
+                <a:t>削除</a:t>
+              </a:r>
+            </a:p>
+          </p:txBody>
+        </p:sp>
+        <p:sp>
+          <p:nvSpPr>
+            <p:cNvPr id="74" name="正方形/長方形 73">
+              <a:extLst>
+                <a:ext uri="{FF2B5EF4-FFF2-40B4-BE49-F238E27FC236}">
+                  <a16:creationId xmlns:a16="http://schemas.microsoft.com/office/drawing/2014/main" id="{F38E26A3-1959-BE09-B704-38DB9BEB553D}"/>
+                </a:ext>
+              </a:extLst>
+            </p:cNvPr>
+            <p:cNvSpPr/>
+            <p:nvPr/>
+          </p:nvSpPr>
+          <p:spPr>
+            <a:xfrm>
+              <a:off x="5383989" y="644493"/>
+              <a:ext cx="1217655" cy="485726"/>
+            </a:xfrm>
+            <a:prstGeom prst="rect">
+              <a:avLst/>
+            </a:prstGeom>
+            <a:grpFill/>
+            <a:ln>
+              <a:noFill/>
+            </a:ln>
+          </p:spPr>
+          <p:style>
+            <a:lnRef idx="2">
+              <a:schemeClr val="accent1">
+                <a:shade val="15000"/>
+              </a:schemeClr>
+            </a:lnRef>
+            <a:fillRef idx="1">
+              <a:schemeClr val="accent1"/>
+            </a:fillRef>
+            <a:effectRef idx="0">
+              <a:schemeClr val="accent1"/>
+            </a:effectRef>
+            <a:fontRef idx="minor">
+              <a:schemeClr val="lt1"/>
+            </a:fontRef>
+          </p:style>
+          <p:txBody>
+            <a:bodyPr rtlCol="0" anchor="ctr"/>
+            <a:lstStyle/>
+            <a:p>
+              <a:pPr algn="ctr"/>
+              <a:r>
+                <a:rPr kumimoji="1" lang="ja-JP" altLang="en-US" dirty="0">
+                  <a:solidFill>
+                    <a:schemeClr val="tx1"/>
+                  </a:solidFill>
+                </a:rPr>
+                <a:t>削除</a:t>
+              </a:r>
+            </a:p>
+          </p:txBody>
+        </p:sp>
+        <p:sp>
+          <p:nvSpPr>
+            <p:cNvPr id="75" name="正方形/長方形 74">
+              <a:extLst>
+                <a:ext uri="{FF2B5EF4-FFF2-40B4-BE49-F238E27FC236}">
+                  <a16:creationId xmlns:a16="http://schemas.microsoft.com/office/drawing/2014/main" id="{1723164E-A3F5-0DA3-E156-FA12E372AAD2}"/>
+                </a:ext>
+              </a:extLst>
+            </p:cNvPr>
+            <p:cNvSpPr/>
+            <p:nvPr/>
+          </p:nvSpPr>
+          <p:spPr>
+            <a:xfrm>
+              <a:off x="201655" y="644493"/>
+              <a:ext cx="1217655" cy="485726"/>
+            </a:xfrm>
+            <a:prstGeom prst="rect">
+              <a:avLst/>
+            </a:prstGeom>
+            <a:grpFill/>
+            <a:ln>
+              <a:noFill/>
+            </a:ln>
+          </p:spPr>
+          <p:style>
+            <a:lnRef idx="2">
+              <a:schemeClr val="accent1">
+                <a:shade val="15000"/>
+              </a:schemeClr>
+            </a:lnRef>
+            <a:fillRef idx="1">
+              <a:schemeClr val="accent1"/>
+            </a:fillRef>
+            <a:effectRef idx="0">
+              <a:schemeClr val="accent1"/>
+            </a:effectRef>
+            <a:fontRef idx="minor">
+              <a:schemeClr val="lt1"/>
+            </a:fontRef>
+          </p:style>
+          <p:txBody>
+            <a:bodyPr rtlCol="0" anchor="ctr"/>
+            <a:lstStyle/>
+            <a:p>
+              <a:pPr algn="ctr"/>
+              <a:r>
+                <a:rPr kumimoji="1" lang="ja-JP" altLang="en-US" dirty="0">
+                  <a:solidFill>
+                    <a:schemeClr val="tx1"/>
+                  </a:solidFill>
+                </a:rPr>
+                <a:t>削除</a:t>
+              </a:r>
+            </a:p>
+          </p:txBody>
+        </p:sp>
+        <p:sp>
+          <p:nvSpPr>
+            <p:cNvPr id="76" name="正方形/長方形 75">
+              <a:extLst>
+                <a:ext uri="{FF2B5EF4-FFF2-40B4-BE49-F238E27FC236}">
+                  <a16:creationId xmlns:a16="http://schemas.microsoft.com/office/drawing/2014/main" id="{E00BA516-C601-01A4-1BF0-1F7A01A674E2}"/>
+                </a:ext>
+              </a:extLst>
+            </p:cNvPr>
+            <p:cNvSpPr/>
+            <p:nvPr/>
+          </p:nvSpPr>
+          <p:spPr>
+            <a:xfrm>
+              <a:off x="5383989" y="8499566"/>
+              <a:ext cx="1217655" cy="485726"/>
+            </a:xfrm>
+            <a:prstGeom prst="rect">
+              <a:avLst/>
+            </a:prstGeom>
+            <a:grpFill/>
+            <a:ln>
+              <a:noFill/>
+            </a:ln>
+          </p:spPr>
+          <p:style>
+            <a:lnRef idx="2">
+              <a:schemeClr val="accent1">
+                <a:shade val="15000"/>
+              </a:schemeClr>
+            </a:lnRef>
+            <a:fillRef idx="1">
+              <a:schemeClr val="accent1"/>
+            </a:fillRef>
+            <a:effectRef idx="0">
+              <a:schemeClr val="accent1"/>
+            </a:effectRef>
+            <a:fontRef idx="minor">
+              <a:schemeClr val="lt1"/>
+            </a:fontRef>
+          </p:style>
+          <p:txBody>
+            <a:bodyPr rtlCol="0" anchor="ctr"/>
+            <a:lstStyle/>
+            <a:p>
+              <a:pPr algn="ctr"/>
+              <a:r>
+                <a:rPr kumimoji="1" lang="ja-JP" altLang="en-US" dirty="0">
+                  <a:solidFill>
+                    <a:schemeClr val="tx1"/>
+                  </a:solidFill>
+                </a:rPr>
+                <a:t>削除</a:t>
+              </a:r>
+            </a:p>
+          </p:txBody>
+        </p:sp>
+        <p:sp>
+          <p:nvSpPr>
+            <p:cNvPr id="77" name="正方形/長方形 76">
+              <a:extLst>
+                <a:ext uri="{FF2B5EF4-FFF2-40B4-BE49-F238E27FC236}">
+                  <a16:creationId xmlns:a16="http://schemas.microsoft.com/office/drawing/2014/main" id="{C26DF2AF-6657-BB13-38D6-C8EE19823C7B}"/>
+                </a:ext>
+              </a:extLst>
+            </p:cNvPr>
+            <p:cNvSpPr/>
+            <p:nvPr/>
+          </p:nvSpPr>
+          <p:spPr>
+            <a:xfrm>
+              <a:off x="2836822" y="2779340"/>
+              <a:ext cx="1217655" cy="485726"/>
+            </a:xfrm>
+            <a:prstGeom prst="rect">
+              <a:avLst/>
+            </a:prstGeom>
+            <a:grpFill/>
+            <a:ln>
+              <a:noFill/>
+            </a:ln>
+          </p:spPr>
+          <p:style>
+            <a:lnRef idx="2">
+              <a:schemeClr val="accent1">
+                <a:shade val="15000"/>
+              </a:schemeClr>
+            </a:lnRef>
+            <a:fillRef idx="1">
+              <a:schemeClr val="accent1"/>
+            </a:fillRef>
+            <a:effectRef idx="0">
+              <a:schemeClr val="accent1"/>
+            </a:effectRef>
+            <a:fontRef idx="minor">
+              <a:schemeClr val="lt1"/>
+            </a:fontRef>
+          </p:style>
+          <p:txBody>
+            <a:bodyPr rtlCol="0" anchor="ctr"/>
+            <a:lstStyle/>
+            <a:p>
+              <a:pPr algn="ctr"/>
+              <a:r>
+                <a:rPr kumimoji="1" lang="ja-JP" altLang="en-US" dirty="0">
+                  <a:solidFill>
+                    <a:schemeClr val="tx1"/>
+                  </a:solidFill>
+                </a:rPr>
+                <a:t>見開き上</a:t>
+              </a:r>
+            </a:p>
+          </p:txBody>
+        </p:sp>
+        <p:sp>
+          <p:nvSpPr>
+            <p:cNvPr id="78" name="正方形/長方形 77">
+              <a:extLst>
+                <a:ext uri="{FF2B5EF4-FFF2-40B4-BE49-F238E27FC236}">
+                  <a16:creationId xmlns:a16="http://schemas.microsoft.com/office/drawing/2014/main" id="{0A2BF225-0BFD-3ADD-37FB-7EE59CE9B933}"/>
+                </a:ext>
+              </a:extLst>
+            </p:cNvPr>
+            <p:cNvSpPr/>
+            <p:nvPr/>
+          </p:nvSpPr>
+          <p:spPr>
+            <a:xfrm>
+              <a:off x="2897781" y="5309471"/>
+              <a:ext cx="1217655" cy="485726"/>
+            </a:xfrm>
+            <a:prstGeom prst="rect">
+              <a:avLst/>
+            </a:prstGeom>
+            <a:grpFill/>
+            <a:ln>
+              <a:noFill/>
+            </a:ln>
+          </p:spPr>
+          <p:style>
+            <a:lnRef idx="2">
+              <a:schemeClr val="accent1">
+                <a:shade val="15000"/>
+              </a:schemeClr>
+            </a:lnRef>
+            <a:fillRef idx="1">
+              <a:schemeClr val="accent1"/>
+            </a:fillRef>
+            <a:effectRef idx="0">
+              <a:schemeClr val="accent1"/>
+            </a:effectRef>
+            <a:fontRef idx="minor">
+              <a:schemeClr val="lt1"/>
+            </a:fontRef>
+          </p:style>
+          <p:txBody>
+            <a:bodyPr rtlCol="0" anchor="ctr"/>
+            <a:lstStyle/>
+            <a:p>
+              <a:pPr algn="ctr"/>
+              <a:r>
+                <a:rPr kumimoji="1" lang="ja-JP" altLang="en-US" dirty="0">
+                  <a:solidFill>
+                    <a:schemeClr val="tx1"/>
+                  </a:solidFill>
+                </a:rPr>
+                <a:t>見開きカード影</a:t>
+              </a:r>
+            </a:p>
+          </p:txBody>
+        </p:sp>
+        <p:sp>
+          <p:nvSpPr>
+            <p:cNvPr id="79" name="正方形/長方形 78">
+              <a:extLst>
+                <a:ext uri="{FF2B5EF4-FFF2-40B4-BE49-F238E27FC236}">
+                  <a16:creationId xmlns:a16="http://schemas.microsoft.com/office/drawing/2014/main" id="{CCC1BEC4-199F-6637-2FDF-D71713FB0885}"/>
+                </a:ext>
+              </a:extLst>
+            </p:cNvPr>
+            <p:cNvSpPr/>
+            <p:nvPr/>
+          </p:nvSpPr>
+          <p:spPr>
+            <a:xfrm>
+              <a:off x="2836822" y="4222311"/>
+              <a:ext cx="1217655" cy="485726"/>
+            </a:xfrm>
+            <a:prstGeom prst="rect">
+              <a:avLst/>
+            </a:prstGeom>
+            <a:grpFill/>
+            <a:ln>
+              <a:noFill/>
+            </a:ln>
+          </p:spPr>
+          <p:style>
+            <a:lnRef idx="2">
+              <a:schemeClr val="accent1">
+                <a:shade val="15000"/>
+              </a:schemeClr>
+            </a:lnRef>
+            <a:fillRef idx="1">
+              <a:schemeClr val="accent1"/>
+            </a:fillRef>
+            <a:effectRef idx="0">
+              <a:schemeClr val="accent1"/>
+            </a:effectRef>
+            <a:fontRef idx="minor">
+              <a:schemeClr val="lt1"/>
+            </a:fontRef>
+          </p:style>
+          <p:txBody>
+            <a:bodyPr rtlCol="0" anchor="ctr"/>
+            <a:lstStyle/>
+            <a:p>
+              <a:pPr algn="ctr"/>
+              <a:r>
+                <a:rPr kumimoji="1" lang="ja-JP" altLang="en-US" dirty="0">
+                  <a:solidFill>
+                    <a:schemeClr val="tx1"/>
+                  </a:solidFill>
+                </a:rPr>
+                <a:t>見開き下</a:t>
+              </a:r>
+            </a:p>
+          </p:txBody>
+        </p:sp>
+        <p:sp>
+          <p:nvSpPr>
+            <p:cNvPr id="80" name="正方形/長方形 79">
+              <a:extLst>
+                <a:ext uri="{FF2B5EF4-FFF2-40B4-BE49-F238E27FC236}">
+                  <a16:creationId xmlns:a16="http://schemas.microsoft.com/office/drawing/2014/main" id="{2A75C80B-1880-C030-A7E8-AB12C55B0121}"/>
+                </a:ext>
+              </a:extLst>
+            </p:cNvPr>
+            <p:cNvSpPr/>
+            <p:nvPr/>
+          </p:nvSpPr>
+          <p:spPr>
+            <a:xfrm>
+              <a:off x="2897782" y="7204752"/>
+              <a:ext cx="1217655" cy="485726"/>
+            </a:xfrm>
+            <a:prstGeom prst="rect">
+              <a:avLst/>
+            </a:prstGeom>
+            <a:grpFill/>
+            <a:ln>
+              <a:noFill/>
+            </a:ln>
+          </p:spPr>
+          <p:style>
+            <a:lnRef idx="2">
+              <a:schemeClr val="accent1">
+                <a:shade val="15000"/>
+              </a:schemeClr>
+            </a:lnRef>
+            <a:fillRef idx="1">
+              <a:schemeClr val="accent1"/>
+            </a:fillRef>
+            <a:effectRef idx="0">
+              <a:schemeClr val="accent1"/>
+            </a:effectRef>
+            <a:fontRef idx="minor">
+              <a:schemeClr val="lt1"/>
+            </a:fontRef>
+          </p:style>
+          <p:txBody>
+            <a:bodyPr rtlCol="0" anchor="ctr"/>
+            <a:lstStyle/>
+            <a:p>
+              <a:pPr algn="ctr"/>
+              <a:r>
+                <a:rPr kumimoji="1" lang="ja-JP" altLang="en-US" dirty="0">
+                  <a:solidFill>
+                    <a:schemeClr val="tx1"/>
+                  </a:solidFill>
+                </a:rPr>
+                <a:t>見開きカード裏</a:t>
+              </a:r>
+            </a:p>
+          </p:txBody>
+        </p:sp>
+        <p:cxnSp>
+          <p:nvCxnSpPr>
+            <p:cNvPr id="81" name="直線コネクタ 80">
+              <a:extLst>
+                <a:ext uri="{FF2B5EF4-FFF2-40B4-BE49-F238E27FC236}">
+                  <a16:creationId xmlns:a16="http://schemas.microsoft.com/office/drawing/2014/main" id="{252438DC-AFBB-9A5B-235F-CB319726635B}"/>
+                </a:ext>
+              </a:extLst>
+            </p:cNvPr>
+            <p:cNvCxnSpPr>
+              <a:stCxn id="57" idx="1"/>
+              <a:endCxn id="58" idx="3"/>
+            </p:cNvCxnSpPr>
+            <p:nvPr/>
+          </p:nvCxnSpPr>
+          <p:spPr>
+            <a:xfrm flipV="1">
+              <a:off x="-13500" y="4102162"/>
+              <a:ext cx="6882300" cy="1"/>
+            </a:xfrm>
+            <a:prstGeom prst="line">
+              <a:avLst/>
+            </a:prstGeom>
+            <a:grpFill/>
+          </p:spPr>
+          <p:style>
+            <a:lnRef idx="1">
+              <a:schemeClr val="dk1"/>
+            </a:lnRef>
+            <a:fillRef idx="0">
+              <a:schemeClr val="dk1"/>
+            </a:fillRef>
+            <a:effectRef idx="0">
+              <a:schemeClr val="dk1"/>
+            </a:effectRef>
+            <a:fontRef idx="minor">
+              <a:schemeClr val="tx1"/>
+            </a:fontRef>
+          </p:style>
+        </p:cxnSp>
+        <p:cxnSp>
+          <p:nvCxnSpPr>
+            <p:cNvPr id="82" name="直線コネクタ 81">
+              <a:extLst>
+                <a:ext uri="{FF2B5EF4-FFF2-40B4-BE49-F238E27FC236}">
+                  <a16:creationId xmlns:a16="http://schemas.microsoft.com/office/drawing/2014/main" id="{5AED7346-1664-B74D-ECB2-93EA37F7F641}"/>
+                </a:ext>
+              </a:extLst>
+            </p:cNvPr>
+            <p:cNvCxnSpPr>
+              <a:cxnSpLocks/>
+            </p:cNvCxnSpPr>
+            <p:nvPr/>
+          </p:nvCxnSpPr>
+          <p:spPr>
+            <a:xfrm flipH="1">
+              <a:off x="5162175" y="2588374"/>
+              <a:ext cx="842625" cy="841301"/>
+            </a:xfrm>
+            <a:prstGeom prst="line">
+              <a:avLst/>
+            </a:prstGeom>
+            <a:grpFill/>
+          </p:spPr>
+          <p:style>
+            <a:lnRef idx="1">
+              <a:schemeClr val="dk1"/>
+            </a:lnRef>
+            <a:fillRef idx="0">
+              <a:schemeClr val="dk1"/>
+            </a:fillRef>
+            <a:effectRef idx="0">
+              <a:schemeClr val="dk1"/>
+            </a:effectRef>
+            <a:fontRef idx="minor">
+              <a:schemeClr val="tx1"/>
+            </a:fontRef>
+          </p:style>
+        </p:cxnSp>
+        <p:cxnSp>
+          <p:nvCxnSpPr>
+            <p:cNvPr id="83" name="直線コネクタ 82">
+              <a:extLst>
+                <a:ext uri="{FF2B5EF4-FFF2-40B4-BE49-F238E27FC236}">
+                  <a16:creationId xmlns:a16="http://schemas.microsoft.com/office/drawing/2014/main" id="{709356C5-3392-FB70-4D8D-0159AE8BE88F}"/>
+                </a:ext>
+              </a:extLst>
+            </p:cNvPr>
+            <p:cNvCxnSpPr>
+              <a:cxnSpLocks/>
+            </p:cNvCxnSpPr>
+            <p:nvPr/>
+          </p:nvCxnSpPr>
+          <p:spPr>
+            <a:xfrm>
+              <a:off x="882119" y="2593410"/>
+              <a:ext cx="844479" cy="843151"/>
+            </a:xfrm>
+            <a:prstGeom prst="line">
+              <a:avLst/>
+            </a:prstGeom>
+            <a:grpFill/>
+          </p:spPr>
+          <p:style>
+            <a:lnRef idx="1">
+              <a:schemeClr val="dk1"/>
+            </a:lnRef>
+            <a:fillRef idx="0">
+              <a:schemeClr val="dk1"/>
+            </a:fillRef>
+            <a:effectRef idx="0">
+              <a:schemeClr val="dk1"/>
+            </a:effectRef>
+            <a:fontRef idx="minor">
+              <a:schemeClr val="tx1"/>
+            </a:fontRef>
+          </p:style>
+        </p:cxnSp>
+        <p:sp>
+          <p:nvSpPr>
+            <p:cNvPr id="84" name="正方形/長方形 83">
+              <a:extLst>
+                <a:ext uri="{FF2B5EF4-FFF2-40B4-BE49-F238E27FC236}">
+                  <a16:creationId xmlns:a16="http://schemas.microsoft.com/office/drawing/2014/main" id="{A065718C-C9E5-E972-28D7-1D8D5B86C476}"/>
+                </a:ext>
+              </a:extLst>
+            </p:cNvPr>
+            <p:cNvSpPr/>
+            <p:nvPr/>
+          </p:nvSpPr>
+          <p:spPr>
+            <a:xfrm rot="10800000">
+              <a:off x="4884047" y="2444245"/>
+              <a:ext cx="1217655" cy="485726"/>
+            </a:xfrm>
+            <a:prstGeom prst="rect">
+              <a:avLst/>
+            </a:prstGeom>
+            <a:grpFill/>
+            <a:ln>
+              <a:noFill/>
+            </a:ln>
+          </p:spPr>
+          <p:style>
+            <a:lnRef idx="2">
+              <a:schemeClr val="accent1">
+                <a:shade val="15000"/>
+              </a:schemeClr>
+            </a:lnRef>
+            <a:fillRef idx="1">
+              <a:schemeClr val="accent1"/>
+            </a:fillRef>
+            <a:effectRef idx="0">
+              <a:schemeClr val="accent1"/>
+            </a:effectRef>
+            <a:fontRef idx="minor">
+              <a:schemeClr val="lt1"/>
+            </a:fontRef>
+          </p:style>
+          <p:txBody>
+            <a:bodyPr rtlCol="0" anchor="ctr"/>
+            <a:lstStyle/>
+            <a:p>
+              <a:pPr algn="ctr"/>
+              <a:endParaRPr kumimoji="1" lang="en-US" altLang="ja-JP" dirty="0">
+                <a:solidFill>
+                  <a:schemeClr val="tx1"/>
+                </a:solidFill>
+              </a:endParaRPr>
+            </a:p>
+            <a:p>
+              <a:pPr algn="ctr"/>
+              <a:r>
+                <a:rPr kumimoji="1" lang="ja-JP" altLang="en-US" dirty="0">
+                  <a:solidFill>
+                    <a:schemeClr val="tx1"/>
+                  </a:solidFill>
+                </a:rPr>
+                <a:t>正面</a:t>
+              </a:r>
+              <a:endParaRPr kumimoji="1" lang="en-US" altLang="ja-JP" dirty="0">
+                <a:solidFill>
+                  <a:schemeClr val="tx1"/>
+                </a:solidFill>
+              </a:endParaRPr>
+            </a:p>
+            <a:p>
+              <a:pPr algn="ctr"/>
+              <a:r>
+                <a:rPr kumimoji="1" lang="ja-JP" altLang="en-US" dirty="0">
+                  <a:solidFill>
+                    <a:schemeClr val="tx1"/>
+                  </a:solidFill>
+                </a:rPr>
+                <a:t>差込</a:t>
+              </a:r>
+            </a:p>
+          </p:txBody>
+        </p:sp>
+        <p:sp>
+          <p:nvSpPr>
+            <p:cNvPr id="85" name="正方形/長方形 84">
+              <a:extLst>
+                <a:ext uri="{FF2B5EF4-FFF2-40B4-BE49-F238E27FC236}">
+                  <a16:creationId xmlns:a16="http://schemas.microsoft.com/office/drawing/2014/main" id="{B37E680D-BEA8-A0A8-4E11-49EED3D2EFAB}"/>
+                </a:ext>
+              </a:extLst>
+            </p:cNvPr>
+            <p:cNvSpPr/>
+            <p:nvPr/>
+          </p:nvSpPr>
+          <p:spPr>
+            <a:xfrm rot="10800000">
+              <a:off x="2824110" y="1014429"/>
+              <a:ext cx="1217655" cy="485726"/>
+            </a:xfrm>
+            <a:prstGeom prst="rect">
+              <a:avLst/>
+            </a:prstGeom>
+            <a:grpFill/>
+            <a:ln>
+              <a:noFill/>
+            </a:ln>
+          </p:spPr>
+          <p:style>
+            <a:lnRef idx="2">
+              <a:schemeClr val="accent1">
+                <a:shade val="15000"/>
+              </a:schemeClr>
+            </a:lnRef>
+            <a:fillRef idx="1">
+              <a:schemeClr val="accent1"/>
+            </a:fillRef>
+            <a:effectRef idx="0">
+              <a:schemeClr val="accent1"/>
+            </a:effectRef>
+            <a:fontRef idx="minor">
+              <a:schemeClr val="lt1"/>
+            </a:fontRef>
+          </p:style>
+          <p:txBody>
+            <a:bodyPr rtlCol="0" anchor="ctr"/>
+            <a:lstStyle/>
+            <a:p>
+              <a:pPr algn="ctr"/>
+              <a:r>
+                <a:rPr kumimoji="1" lang="ja-JP" altLang="en-US" dirty="0">
+                  <a:solidFill>
+                    <a:schemeClr val="tx1"/>
+                  </a:solidFill>
+                </a:rPr>
+                <a:t>正面　</a:t>
+              </a:r>
+              <a:endParaRPr kumimoji="1" lang="en-US" altLang="ja-JP" dirty="0">
+                <a:solidFill>
+                  <a:schemeClr val="tx1"/>
+                </a:solidFill>
+              </a:endParaRPr>
+            </a:p>
+            <a:p>
+              <a:pPr algn="ctr"/>
+              <a:r>
+                <a:rPr kumimoji="1" lang="ja-JP" altLang="en-US" dirty="0">
+                  <a:solidFill>
+                    <a:schemeClr val="tx1"/>
+                  </a:solidFill>
+                </a:rPr>
+                <a:t>差込</a:t>
+              </a:r>
+            </a:p>
+          </p:txBody>
+        </p:sp>
+        <p:sp>
+          <p:nvSpPr>
+            <p:cNvPr id="86" name="正方形/長方形 85">
+              <a:extLst>
+                <a:ext uri="{FF2B5EF4-FFF2-40B4-BE49-F238E27FC236}">
+                  <a16:creationId xmlns:a16="http://schemas.microsoft.com/office/drawing/2014/main" id="{C0D5883A-78C1-7FDE-63D6-7682B96A76F7}"/>
+                </a:ext>
+              </a:extLst>
+            </p:cNvPr>
+            <p:cNvSpPr/>
+            <p:nvPr/>
+          </p:nvSpPr>
+          <p:spPr>
+            <a:xfrm rot="10800000">
+              <a:off x="146120" y="3361770"/>
+              <a:ext cx="1217655" cy="485726"/>
+            </a:xfrm>
+            <a:prstGeom prst="rect">
+              <a:avLst/>
+            </a:prstGeom>
+            <a:grpFill/>
+            <a:ln>
+              <a:noFill/>
+            </a:ln>
+          </p:spPr>
+          <p:style>
+            <a:lnRef idx="2">
+              <a:schemeClr val="accent1">
+                <a:shade val="15000"/>
+              </a:schemeClr>
+            </a:lnRef>
+            <a:fillRef idx="1">
+              <a:schemeClr val="accent1"/>
+            </a:fillRef>
+            <a:effectRef idx="0">
+              <a:schemeClr val="accent1"/>
+            </a:effectRef>
+            <a:fontRef idx="minor">
+              <a:schemeClr val="lt1"/>
+            </a:fontRef>
+          </p:style>
+          <p:txBody>
+            <a:bodyPr rtlCol="0" anchor="ctr"/>
+            <a:lstStyle/>
+            <a:p>
+              <a:pPr algn="ctr"/>
+              <a:r>
+                <a:rPr kumimoji="1" lang="ja-JP" altLang="en-US" dirty="0">
+                  <a:solidFill>
+                    <a:schemeClr val="tx1"/>
+                  </a:solidFill>
+                </a:rPr>
+                <a:t>正面　</a:t>
+              </a:r>
+              <a:endParaRPr kumimoji="1" lang="en-US" altLang="ja-JP" dirty="0">
+                <a:solidFill>
+                  <a:schemeClr val="tx1"/>
+                </a:solidFill>
+              </a:endParaRPr>
+            </a:p>
+          </p:txBody>
+        </p:sp>
+        <p:sp>
+          <p:nvSpPr>
+            <p:cNvPr id="87" name="正方形/長方形 86">
+              <a:extLst>
+                <a:ext uri="{FF2B5EF4-FFF2-40B4-BE49-F238E27FC236}">
+                  <a16:creationId xmlns:a16="http://schemas.microsoft.com/office/drawing/2014/main" id="{BABFE346-E5FA-8160-405D-B966901F3F3B}"/>
+                </a:ext>
+              </a:extLst>
+            </p:cNvPr>
+            <p:cNvSpPr/>
+            <p:nvPr/>
+          </p:nvSpPr>
+          <p:spPr>
+            <a:xfrm rot="10800000">
+              <a:off x="5383988" y="3361770"/>
+              <a:ext cx="1217655" cy="485726"/>
+            </a:xfrm>
+            <a:prstGeom prst="rect">
+              <a:avLst/>
+            </a:prstGeom>
+            <a:grpFill/>
+            <a:ln>
+              <a:noFill/>
+            </a:ln>
+          </p:spPr>
+          <p:style>
+            <a:lnRef idx="2">
+              <a:schemeClr val="accent1">
+                <a:shade val="15000"/>
+              </a:schemeClr>
+            </a:lnRef>
+            <a:fillRef idx="1">
+              <a:schemeClr val="accent1"/>
+            </a:fillRef>
+            <a:effectRef idx="0">
+              <a:schemeClr val="accent1"/>
+            </a:effectRef>
+            <a:fontRef idx="minor">
+              <a:schemeClr val="lt1"/>
+            </a:fontRef>
+          </p:style>
+          <p:txBody>
+            <a:bodyPr rtlCol="0" anchor="ctr"/>
+            <a:lstStyle/>
+            <a:p>
+              <a:pPr algn="ctr"/>
+              <a:r>
+                <a:rPr kumimoji="1" lang="ja-JP" altLang="en-US" dirty="0">
+                  <a:solidFill>
+                    <a:schemeClr val="tx1"/>
+                  </a:solidFill>
+                </a:rPr>
+                <a:t>正面　</a:t>
+              </a:r>
+              <a:endParaRPr kumimoji="1" lang="en-US" altLang="ja-JP" dirty="0">
+                <a:solidFill>
+                  <a:schemeClr val="tx1"/>
+                </a:solidFill>
+              </a:endParaRPr>
+            </a:p>
+          </p:txBody>
+        </p:sp>
+        <p:sp>
+          <p:nvSpPr>
+            <p:cNvPr id="88" name="正方形/長方形 87">
+              <a:extLst>
+                <a:ext uri="{FF2B5EF4-FFF2-40B4-BE49-F238E27FC236}">
+                  <a16:creationId xmlns:a16="http://schemas.microsoft.com/office/drawing/2014/main" id="{77CC13DB-074B-FA51-17D7-28C3D83ADC92}"/>
+                </a:ext>
+              </a:extLst>
+            </p:cNvPr>
+            <p:cNvSpPr/>
+            <p:nvPr/>
+          </p:nvSpPr>
+          <p:spPr>
+            <a:xfrm rot="10800000">
+              <a:off x="858818" y="2444245"/>
+              <a:ext cx="1217655" cy="485726"/>
+            </a:xfrm>
+            <a:prstGeom prst="rect">
+              <a:avLst/>
+            </a:prstGeom>
+            <a:grpFill/>
+            <a:ln>
+              <a:noFill/>
+            </a:ln>
+          </p:spPr>
+          <p:style>
+            <a:lnRef idx="2">
+              <a:schemeClr val="accent1">
+                <a:shade val="15000"/>
+              </a:schemeClr>
+            </a:lnRef>
+            <a:fillRef idx="1">
+              <a:schemeClr val="accent1"/>
+            </a:fillRef>
+            <a:effectRef idx="0">
+              <a:schemeClr val="accent1"/>
+            </a:effectRef>
+            <a:fontRef idx="minor">
+              <a:schemeClr val="lt1"/>
+            </a:fontRef>
+          </p:style>
+          <p:txBody>
+            <a:bodyPr rtlCol="0" anchor="ctr"/>
+            <a:lstStyle/>
+            <a:p>
+              <a:pPr algn="ctr"/>
+              <a:endParaRPr kumimoji="1" lang="en-US" altLang="ja-JP" dirty="0">
+                <a:solidFill>
+                  <a:schemeClr val="tx1"/>
+                </a:solidFill>
+              </a:endParaRPr>
+            </a:p>
+            <a:p>
+              <a:pPr algn="ctr"/>
+              <a:r>
+                <a:rPr kumimoji="1" lang="ja-JP" altLang="en-US" dirty="0">
+                  <a:solidFill>
+                    <a:schemeClr val="tx1"/>
+                  </a:solidFill>
+                </a:rPr>
+                <a:t>正面</a:t>
+              </a:r>
+              <a:endParaRPr kumimoji="1" lang="en-US" altLang="ja-JP" dirty="0">
+                <a:solidFill>
+                  <a:schemeClr val="tx1"/>
+                </a:solidFill>
+              </a:endParaRPr>
+            </a:p>
+            <a:p>
+              <a:pPr algn="ctr"/>
+              <a:r>
+                <a:rPr kumimoji="1" lang="ja-JP" altLang="en-US" dirty="0">
+                  <a:solidFill>
+                    <a:schemeClr val="tx1"/>
+                  </a:solidFill>
+                </a:rPr>
+                <a:t>差込</a:t>
+              </a:r>
+            </a:p>
+          </p:txBody>
+        </p:sp>
+        <p:sp>
+          <p:nvSpPr>
+            <p:cNvPr id="89" name="正方形/長方形 88">
+              <a:extLst>
+                <a:ext uri="{FF2B5EF4-FFF2-40B4-BE49-F238E27FC236}">
+                  <a16:creationId xmlns:a16="http://schemas.microsoft.com/office/drawing/2014/main" id="{941BA17D-1051-9248-8896-96FE6FAD2655}"/>
+                </a:ext>
+              </a:extLst>
+            </p:cNvPr>
+            <p:cNvSpPr/>
+            <p:nvPr/>
+          </p:nvSpPr>
+          <p:spPr>
+            <a:xfrm>
+              <a:off x="5383988" y="5132404"/>
+              <a:ext cx="1217655" cy="485726"/>
+            </a:xfrm>
+            <a:prstGeom prst="rect">
+              <a:avLst/>
+            </a:prstGeom>
+            <a:grpFill/>
+            <a:ln>
+              <a:noFill/>
+            </a:ln>
+          </p:spPr>
+          <p:style>
+            <a:lnRef idx="2">
+              <a:schemeClr val="accent1">
+                <a:shade val="15000"/>
+              </a:schemeClr>
+            </a:lnRef>
+            <a:fillRef idx="1">
+              <a:schemeClr val="accent1"/>
+            </a:fillRef>
+            <a:effectRef idx="0">
+              <a:schemeClr val="accent1"/>
+            </a:effectRef>
+            <a:fontRef idx="minor">
+              <a:schemeClr val="lt1"/>
+            </a:fontRef>
+          </p:style>
+          <p:txBody>
+            <a:bodyPr rtlCol="0" anchor="ctr"/>
+            <a:lstStyle/>
+            <a:p>
+              <a:pPr algn="ctr"/>
+              <a:r>
+                <a:rPr kumimoji="1" lang="ja-JP" altLang="en-US" dirty="0">
+                  <a:solidFill>
+                    <a:schemeClr val="tx1"/>
+                  </a:solidFill>
+                </a:rPr>
+                <a:t>裏</a:t>
+              </a:r>
+              <a:endParaRPr kumimoji="1" lang="en-US" altLang="ja-JP" dirty="0">
+                <a:solidFill>
+                  <a:schemeClr val="tx1"/>
+                </a:solidFill>
+              </a:endParaRPr>
+            </a:p>
+          </p:txBody>
+        </p:sp>
+        <p:sp>
+          <p:nvSpPr>
+            <p:cNvPr id="90" name="正方形/長方形 89">
+              <a:extLst>
+                <a:ext uri="{FF2B5EF4-FFF2-40B4-BE49-F238E27FC236}">
+                  <a16:creationId xmlns:a16="http://schemas.microsoft.com/office/drawing/2014/main" id="{2B8F3E00-9100-6CE4-9E0E-209107178197}"/>
+                </a:ext>
+              </a:extLst>
+            </p:cNvPr>
+            <p:cNvSpPr/>
+            <p:nvPr/>
+          </p:nvSpPr>
+          <p:spPr>
+            <a:xfrm>
+              <a:off x="276855" y="5132404"/>
+              <a:ext cx="1217655" cy="485726"/>
+            </a:xfrm>
+            <a:prstGeom prst="rect">
+              <a:avLst/>
+            </a:prstGeom>
+            <a:grpFill/>
+            <a:ln>
+              <a:noFill/>
+            </a:ln>
+          </p:spPr>
+          <p:style>
+            <a:lnRef idx="2">
+              <a:schemeClr val="accent1">
+                <a:shade val="15000"/>
+              </a:schemeClr>
+            </a:lnRef>
+            <a:fillRef idx="1">
+              <a:schemeClr val="accent1"/>
+            </a:fillRef>
+            <a:effectRef idx="0">
+              <a:schemeClr val="accent1"/>
+            </a:effectRef>
+            <a:fontRef idx="minor">
+              <a:schemeClr val="lt1"/>
+            </a:fontRef>
+          </p:style>
+          <p:txBody>
+            <a:bodyPr rtlCol="0" anchor="ctr"/>
+            <a:lstStyle/>
+            <a:p>
+              <a:pPr algn="ctr"/>
+              <a:r>
+                <a:rPr kumimoji="1" lang="ja-JP" altLang="en-US" dirty="0">
+                  <a:solidFill>
+                    <a:schemeClr val="tx1"/>
+                  </a:solidFill>
+                </a:rPr>
+                <a:t>裏</a:t>
+              </a:r>
+              <a:endParaRPr kumimoji="1" lang="en-US" altLang="ja-JP" dirty="0">
+                <a:solidFill>
+                  <a:schemeClr val="tx1"/>
+                </a:solidFill>
+              </a:endParaRPr>
+            </a:p>
+          </p:txBody>
+        </p:sp>
+        <p:sp>
+          <p:nvSpPr>
+            <p:cNvPr id="91" name="正方形/長方形 90">
+              <a:extLst>
+                <a:ext uri="{FF2B5EF4-FFF2-40B4-BE49-F238E27FC236}">
+                  <a16:creationId xmlns:a16="http://schemas.microsoft.com/office/drawing/2014/main" id="{E33B8B97-3539-A901-9326-B5CBA307F86B}"/>
+                </a:ext>
+              </a:extLst>
+            </p:cNvPr>
+            <p:cNvSpPr/>
+            <p:nvPr/>
+          </p:nvSpPr>
+          <p:spPr>
+            <a:xfrm>
+              <a:off x="5219299" y="6712380"/>
+              <a:ext cx="1217655" cy="485726"/>
+            </a:xfrm>
+            <a:prstGeom prst="rect">
+              <a:avLst/>
+            </a:prstGeom>
+            <a:grpFill/>
+            <a:ln>
+              <a:noFill/>
+            </a:ln>
+          </p:spPr>
+          <p:style>
+            <a:lnRef idx="2">
+              <a:schemeClr val="accent1">
+                <a:shade val="15000"/>
+              </a:schemeClr>
+            </a:lnRef>
+            <a:fillRef idx="1">
+              <a:schemeClr val="accent1"/>
+            </a:fillRef>
+            <a:effectRef idx="0">
+              <a:schemeClr val="accent1"/>
+            </a:effectRef>
+            <a:fontRef idx="minor">
+              <a:schemeClr val="lt1"/>
+            </a:fontRef>
+          </p:style>
+          <p:txBody>
+            <a:bodyPr rtlCol="0" anchor="ctr"/>
+            <a:lstStyle/>
+            <a:p>
+              <a:pPr algn="ctr"/>
+              <a:r>
+                <a:rPr kumimoji="1" lang="ja-JP" altLang="en-US" dirty="0">
+                  <a:solidFill>
+                    <a:schemeClr val="tx1"/>
+                  </a:solidFill>
+                </a:rPr>
+                <a:t>正面　</a:t>
+              </a:r>
+              <a:endParaRPr kumimoji="1" lang="en-US" altLang="ja-JP" dirty="0">
+                <a:solidFill>
+                  <a:schemeClr val="tx1"/>
+                </a:solidFill>
+              </a:endParaRPr>
+            </a:p>
+            <a:p>
+              <a:pPr algn="ctr"/>
+              <a:r>
+                <a:rPr kumimoji="1" lang="ja-JP" altLang="en-US" dirty="0">
+                  <a:solidFill>
+                    <a:schemeClr val="tx1"/>
+                  </a:solidFill>
+                </a:rPr>
+                <a:t>耳</a:t>
+              </a:r>
+            </a:p>
+          </p:txBody>
+        </p:sp>
+        <p:sp>
+          <p:nvSpPr>
+            <p:cNvPr id="92" name="正方形/長方形 91">
+              <a:extLst>
+                <a:ext uri="{FF2B5EF4-FFF2-40B4-BE49-F238E27FC236}">
+                  <a16:creationId xmlns:a16="http://schemas.microsoft.com/office/drawing/2014/main" id="{8C9B38E9-84A7-3238-D3F2-F580ED84C22F}"/>
+                </a:ext>
+              </a:extLst>
+            </p:cNvPr>
+            <p:cNvSpPr/>
+            <p:nvPr/>
+          </p:nvSpPr>
+          <p:spPr>
+            <a:xfrm>
+              <a:off x="624349" y="6712380"/>
+              <a:ext cx="1217655" cy="485726"/>
+            </a:xfrm>
+            <a:prstGeom prst="rect">
+              <a:avLst/>
+            </a:prstGeom>
+            <a:grpFill/>
+            <a:ln>
+              <a:noFill/>
+            </a:ln>
+          </p:spPr>
+          <p:style>
+            <a:lnRef idx="2">
+              <a:schemeClr val="accent1">
+                <a:shade val="15000"/>
+              </a:schemeClr>
+            </a:lnRef>
+            <a:fillRef idx="1">
+              <a:schemeClr val="accent1"/>
+            </a:fillRef>
+            <a:effectRef idx="0">
+              <a:schemeClr val="accent1"/>
+            </a:effectRef>
+            <a:fontRef idx="minor">
+              <a:schemeClr val="lt1"/>
+            </a:fontRef>
+          </p:style>
+          <p:txBody>
+            <a:bodyPr rtlCol="0" anchor="ctr"/>
+            <a:lstStyle/>
+            <a:p>
+              <a:pPr algn="ctr"/>
+              <a:r>
+                <a:rPr kumimoji="1" lang="ja-JP" altLang="en-US" dirty="0">
+                  <a:solidFill>
+                    <a:schemeClr val="tx1"/>
+                  </a:solidFill>
+                </a:rPr>
+                <a:t>正面　</a:t>
+              </a:r>
+              <a:endParaRPr kumimoji="1" lang="en-US" altLang="ja-JP" dirty="0">
+                <a:solidFill>
+                  <a:schemeClr val="tx1"/>
+                </a:solidFill>
+              </a:endParaRPr>
+            </a:p>
+            <a:p>
+              <a:pPr algn="ctr"/>
+              <a:r>
+                <a:rPr kumimoji="1" lang="ja-JP" altLang="en-US" dirty="0">
+                  <a:solidFill>
+                    <a:schemeClr val="tx1"/>
+                  </a:solidFill>
+                </a:rPr>
+                <a:t>耳</a:t>
+              </a:r>
+            </a:p>
+          </p:txBody>
+        </p:sp>
+      </p:grpSp>
+      <p:sp>
+        <p:nvSpPr>
+          <p:cNvPr id="94" name="四角形: 角を丸くする 93">
+            <a:extLst>
+              <a:ext uri="{FF2B5EF4-FFF2-40B4-BE49-F238E27FC236}">
+                <a16:creationId xmlns:a16="http://schemas.microsoft.com/office/drawing/2014/main" id="{F037FEAE-C93D-6249-401C-4965BE2C0B43}"/>
+              </a:ext>
+            </a:extLst>
+          </p:cNvPr>
+          <p:cNvSpPr/>
+          <p:nvPr/>
+        </p:nvSpPr>
+        <p:spPr>
+          <a:xfrm>
+            <a:off x="-133350" y="5375268"/>
+            <a:ext cx="1837050" cy="977254"/>
+          </a:xfrm>
+          <a:prstGeom prst="roundRect">
+            <a:avLst>
+              <a:gd name="adj" fmla="val 13961"/>
+            </a:avLst>
+          </a:prstGeom>
+          <a:solidFill>
+            <a:schemeClr val="bg1"/>
+          </a:solidFill>
+          <a:ln>
+            <a:noFill/>
+          </a:ln>
+          <a:effectLst>
+            <a:softEdge rad="76200"/>
+          </a:effectLst>
+        </p:spPr>
+        <p:style>
+          <a:lnRef idx="2">
+            <a:schemeClr val="accent1">
+              <a:shade val="15000"/>
+            </a:schemeClr>
+          </a:lnRef>
+          <a:fillRef idx="1">
+            <a:schemeClr val="accent1"/>
+          </a:fillRef>
+          <a:effectRef idx="0">
+            <a:schemeClr val="accent1"/>
+          </a:effectRef>
+          <a:fontRef idx="minor">
+            <a:schemeClr val="lt1"/>
+          </a:fontRef>
+        </p:style>
+        <p:txBody>
+          <a:bodyPr lIns="0" tIns="0" rIns="0" bIns="0" rtlCol="0" anchor="ctr"/>
+          <a:lstStyle/>
+          <a:p>
+            <a:pPr>
+              <a:lnSpc>
+                <a:spcPts val="600"/>
+              </a:lnSpc>
+            </a:pPr>
+            <a:r>
+              <a:rPr kumimoji="1" lang="ja-JP" altLang="en-US" sz="600" dirty="0">
+                <a:solidFill>
+                  <a:schemeClr val="tx1"/>
+                </a:solidFill>
+                <a:latin typeface="UD デジタル 教科書体 NP-R" panose="02020400000000000000" pitchFamily="18" charset="-128"/>
+                <a:ea typeface="UD デジタル 教科書体 NP-R" panose="02020400000000000000" pitchFamily="18" charset="-128"/>
+              </a:rPr>
+              <a:t>　　・発行者：</a:t>
+            </a:r>
+            <a:br>
+              <a:rPr kumimoji="1" lang="en-US" altLang="ja-JP" sz="600" dirty="0">
+                <a:solidFill>
+                  <a:schemeClr val="tx1"/>
+                </a:solidFill>
+                <a:latin typeface="UD デジタル 教科書体 NP-R" panose="02020400000000000000" pitchFamily="18" charset="-128"/>
+                <a:ea typeface="UD デジタル 教科書体 NP-R" panose="02020400000000000000" pitchFamily="18" charset="-128"/>
+              </a:rPr>
+            </a:br>
+            <a:r>
+              <a:rPr kumimoji="1" lang="ja-JP" altLang="en-US" sz="600" dirty="0">
+                <a:solidFill>
+                  <a:schemeClr val="tx1"/>
+                </a:solidFill>
+                <a:latin typeface="UD デジタル 教科書体 NP-R" panose="02020400000000000000" pitchFamily="18" charset="-128"/>
+                <a:ea typeface="UD デジタル 教科書体 NP-R" panose="02020400000000000000" pitchFamily="18" charset="-128"/>
+              </a:rPr>
+              <a:t>　　　　秋田大学</a:t>
+            </a:r>
+            <a:endParaRPr kumimoji="1" lang="en-US" altLang="ja-JP" sz="600" dirty="0">
+              <a:solidFill>
+                <a:schemeClr val="tx1"/>
+              </a:solidFill>
+              <a:latin typeface="UD デジタル 教科書体 NP-R" panose="02020400000000000000" pitchFamily="18" charset="-128"/>
+              <a:ea typeface="UD デジタル 教科書体 NP-R" panose="02020400000000000000" pitchFamily="18" charset="-128"/>
+            </a:endParaRPr>
+          </a:p>
+          <a:p>
+            <a:pPr>
+              <a:lnSpc>
+                <a:spcPts val="600"/>
+              </a:lnSpc>
+            </a:pPr>
+            <a:r>
+              <a:rPr kumimoji="1" lang="ja-JP" altLang="en-US" sz="600" dirty="0">
+                <a:solidFill>
+                  <a:schemeClr val="tx1"/>
+                </a:solidFill>
+                <a:latin typeface="UD デジタル 教科書体 NP-R" panose="02020400000000000000" pitchFamily="18" charset="-128"/>
+                <a:ea typeface="UD デジタル 教科書体 NP-R" panose="02020400000000000000" pitchFamily="18" charset="-128"/>
+              </a:rPr>
+              <a:t>　　　　イノベーションアンドコンサルティング　</a:t>
+            </a:r>
+            <a:endParaRPr kumimoji="1" lang="en-US" altLang="ja-JP" sz="600" dirty="0">
+              <a:solidFill>
+                <a:schemeClr val="tx1"/>
+              </a:solidFill>
+              <a:latin typeface="UD デジタル 教科書体 NP-R" panose="02020400000000000000" pitchFamily="18" charset="-128"/>
+              <a:ea typeface="UD デジタル 教科書体 NP-R" panose="02020400000000000000" pitchFamily="18" charset="-128"/>
+            </a:endParaRPr>
+          </a:p>
+          <a:p>
+            <a:pPr>
+              <a:lnSpc>
+                <a:spcPts val="600"/>
+              </a:lnSpc>
+            </a:pPr>
+            <a:r>
+              <a:rPr kumimoji="1" lang="ja-JP" altLang="en-US" sz="600" dirty="0">
+                <a:solidFill>
+                  <a:schemeClr val="tx1"/>
+                </a:solidFill>
+                <a:latin typeface="UD デジタル 教科書体 NP-R" panose="02020400000000000000" pitchFamily="18" charset="-128"/>
+                <a:ea typeface="UD デジタル 教科書体 NP-R" panose="02020400000000000000" pitchFamily="18" charset="-128"/>
+              </a:rPr>
+              <a:t>　　　　〒</a:t>
+            </a:r>
+            <a:r>
+              <a:rPr kumimoji="1" lang="en-US" altLang="ja-JP" sz="600" dirty="0">
+                <a:solidFill>
+                  <a:schemeClr val="tx1"/>
+                </a:solidFill>
+                <a:latin typeface="UD デジタル 教科書体 NP-R" panose="02020400000000000000" pitchFamily="18" charset="-128"/>
+                <a:ea typeface="UD デジタル 教科書体 NP-R" panose="02020400000000000000" pitchFamily="18" charset="-128"/>
+              </a:rPr>
+              <a:t>010−8502</a:t>
+            </a:r>
+            <a:r>
+              <a:rPr kumimoji="1" lang="ja-JP" altLang="en-US" sz="600" dirty="0">
+                <a:solidFill>
+                  <a:schemeClr val="tx1"/>
+                </a:solidFill>
+                <a:latin typeface="UD デジタル 教科書体 NP-R" panose="02020400000000000000" pitchFamily="18" charset="-128"/>
+                <a:ea typeface="UD デジタル 教科書体 NP-R" panose="02020400000000000000" pitchFamily="18" charset="-128"/>
+              </a:rPr>
+              <a:t>　秋⽥市手形学園町</a:t>
+            </a:r>
+            <a:r>
+              <a:rPr kumimoji="1" lang="en-US" altLang="ja-JP" sz="600" dirty="0">
+                <a:solidFill>
+                  <a:schemeClr val="tx1"/>
+                </a:solidFill>
+                <a:latin typeface="UD デジタル 教科書体 NP-R" panose="02020400000000000000" pitchFamily="18" charset="-128"/>
+                <a:ea typeface="UD デジタル 教科書体 NP-R" panose="02020400000000000000" pitchFamily="18" charset="-128"/>
+              </a:rPr>
+              <a:t>1−1</a:t>
+            </a:r>
+            <a:r>
+              <a:rPr kumimoji="1" lang="ja-JP" altLang="en-US" sz="600" dirty="0">
+                <a:solidFill>
+                  <a:schemeClr val="tx1"/>
+                </a:solidFill>
+                <a:latin typeface="UD デジタル 教科書体 NP-R" panose="02020400000000000000" pitchFamily="18" charset="-128"/>
+                <a:ea typeface="UD デジタル 教科書体 NP-R" panose="02020400000000000000" pitchFamily="18" charset="-128"/>
+              </a:rPr>
+              <a:t>　　　　</a:t>
+            </a:r>
+            <a:endParaRPr kumimoji="1" lang="en-US" altLang="ja-JP" sz="600" dirty="0">
+              <a:solidFill>
+                <a:schemeClr val="tx1"/>
+              </a:solidFill>
+              <a:latin typeface="UD デジタル 教科書体 NP-R" panose="02020400000000000000" pitchFamily="18" charset="-128"/>
+              <a:ea typeface="UD デジタル 教科書体 NP-R" panose="02020400000000000000" pitchFamily="18" charset="-128"/>
+            </a:endParaRPr>
+          </a:p>
+          <a:p>
+            <a:pPr>
+              <a:lnSpc>
+                <a:spcPts val="600"/>
+              </a:lnSpc>
+            </a:pPr>
+            <a:endParaRPr kumimoji="1" lang="en-US" altLang="ja-JP" sz="600" dirty="0">
+              <a:solidFill>
+                <a:schemeClr val="tx1"/>
+              </a:solidFill>
+              <a:latin typeface="UD デジタル 教科書体 NP-R" panose="02020400000000000000" pitchFamily="18" charset="-128"/>
+              <a:ea typeface="UD デジタル 教科書体 NP-R" panose="02020400000000000000" pitchFamily="18" charset="-128"/>
+            </a:endParaRPr>
+          </a:p>
+          <a:p>
+            <a:pPr>
+              <a:lnSpc>
+                <a:spcPts val="600"/>
+              </a:lnSpc>
+            </a:pPr>
+            <a:r>
+              <a:rPr kumimoji="1" lang="ja-JP" altLang="en-US" sz="600" dirty="0">
+                <a:solidFill>
+                  <a:schemeClr val="tx1"/>
+                </a:solidFill>
+                <a:latin typeface="UD デジタル 教科書体 NP-R" panose="02020400000000000000" pitchFamily="18" charset="-128"/>
+                <a:ea typeface="UD デジタル 教科書体 NP-R" panose="02020400000000000000" pitchFamily="18" charset="-128"/>
+              </a:rPr>
+              <a:t>　　・連絡先：</a:t>
+            </a:r>
+            <a:endParaRPr kumimoji="1" lang="en-US" altLang="ja-JP" sz="600" dirty="0">
+              <a:solidFill>
+                <a:schemeClr val="tx1"/>
+              </a:solidFill>
+              <a:latin typeface="UD デジタル 教科書体 NP-R" panose="02020400000000000000" pitchFamily="18" charset="-128"/>
+              <a:ea typeface="UD デジタル 教科書体 NP-R" panose="02020400000000000000" pitchFamily="18" charset="-128"/>
+            </a:endParaRPr>
+          </a:p>
+          <a:p>
+            <a:pPr>
+              <a:lnSpc>
+                <a:spcPts val="600"/>
+              </a:lnSpc>
+            </a:pPr>
+            <a:r>
+              <a:rPr kumimoji="1" lang="ja-JP" altLang="en-US" sz="600" dirty="0">
+                <a:solidFill>
+                  <a:schemeClr val="tx1"/>
+                </a:solidFill>
+                <a:latin typeface="UD デジタル 教科書体 NP-R" panose="02020400000000000000" pitchFamily="18" charset="-128"/>
+                <a:ea typeface="UD デジタル 教科書体 NP-R" panose="02020400000000000000" pitchFamily="18" charset="-128"/>
+              </a:rPr>
+              <a:t>　　　　</a:t>
+            </a:r>
+            <a:r>
+              <a:rPr kumimoji="1" lang="en-US" altLang="ja-JP" sz="600" dirty="0">
+                <a:solidFill>
+                  <a:schemeClr val="tx1"/>
+                </a:solidFill>
+                <a:latin typeface="UD デジタル 教科書体 NP-R" panose="02020400000000000000" pitchFamily="18" charset="-128"/>
+                <a:ea typeface="UD デジタル 教科書体 NP-R" panose="02020400000000000000" pitchFamily="18" charset="-128"/>
+              </a:rPr>
+              <a:t>info@auic.or.jp</a:t>
+            </a:r>
+          </a:p>
+          <a:p>
+            <a:pPr algn="r">
+              <a:lnSpc>
+                <a:spcPts val="600"/>
+              </a:lnSpc>
+            </a:pPr>
+            <a:endParaRPr kumimoji="1" lang="en-US" altLang="ja-JP" sz="600" dirty="0">
+              <a:solidFill>
+                <a:schemeClr val="tx1"/>
+              </a:solidFill>
+              <a:latin typeface="UD デジタル 教科書体 NP-R" panose="02020400000000000000" pitchFamily="18" charset="-128"/>
+              <a:ea typeface="UD デジタル 教科書体 NP-R" panose="02020400000000000000" pitchFamily="18" charset="-128"/>
+            </a:endParaRPr>
+          </a:p>
+          <a:p>
+            <a:pPr>
+              <a:lnSpc>
+                <a:spcPts val="600"/>
+              </a:lnSpc>
+            </a:pPr>
+            <a:r>
+              <a:rPr kumimoji="1" lang="ja-JP" altLang="en-US" sz="600" dirty="0">
+                <a:solidFill>
+                  <a:schemeClr val="tx1"/>
+                </a:solidFill>
+                <a:latin typeface="UD デジタル 教科書体 NP-R" panose="02020400000000000000" pitchFamily="18" charset="-128"/>
+                <a:ea typeface="UD デジタル 教科書体 NP-R" panose="02020400000000000000" pitchFamily="18" charset="-128"/>
+              </a:rPr>
+              <a:t>　　・有効期限：</a:t>
+            </a:r>
+            <a:endParaRPr kumimoji="1" lang="en-US" altLang="ja-JP" sz="600" dirty="0">
+              <a:solidFill>
+                <a:schemeClr val="tx1"/>
+              </a:solidFill>
+              <a:latin typeface="UD デジタル 教科書体 NP-R" panose="02020400000000000000" pitchFamily="18" charset="-128"/>
+              <a:ea typeface="UD デジタル 教科書体 NP-R" panose="02020400000000000000" pitchFamily="18" charset="-128"/>
+            </a:endParaRPr>
+          </a:p>
+          <a:p>
+            <a:pPr>
+              <a:lnSpc>
+                <a:spcPts val="600"/>
+              </a:lnSpc>
+            </a:pPr>
+            <a:r>
+              <a:rPr kumimoji="1" lang="ja-JP" altLang="en-US" sz="600" dirty="0">
+                <a:solidFill>
+                  <a:schemeClr val="tx1"/>
+                </a:solidFill>
+                <a:latin typeface="UD デジタル 教科書体 NP-R" panose="02020400000000000000" pitchFamily="18" charset="-128"/>
+                <a:ea typeface="UD デジタル 教科書体 NP-R" panose="02020400000000000000" pitchFamily="18" charset="-128"/>
+              </a:rPr>
+              <a:t>　　　　表紙</a:t>
+            </a:r>
+            <a:r>
+              <a:rPr kumimoji="1" lang="en-US" altLang="ja-JP" sz="600" dirty="0">
+                <a:solidFill>
+                  <a:schemeClr val="tx1"/>
+                </a:solidFill>
+                <a:latin typeface="UD デジタル 教科書体 NP-R" panose="02020400000000000000" pitchFamily="18" charset="-128"/>
+                <a:ea typeface="UD デジタル 教科書体 NP-R" panose="02020400000000000000" pitchFamily="18" charset="-128"/>
+              </a:rPr>
+              <a:t>QR</a:t>
+            </a:r>
+            <a:r>
+              <a:rPr kumimoji="1" lang="ja-JP" altLang="en-US" sz="600" dirty="0">
+                <a:solidFill>
+                  <a:schemeClr val="tx1"/>
+                </a:solidFill>
+                <a:latin typeface="UD デジタル 教科書体 NP-R" panose="02020400000000000000" pitchFamily="18" charset="-128"/>
+                <a:ea typeface="UD デジタル 教科書体 NP-R" panose="02020400000000000000" pitchFamily="18" charset="-128"/>
+              </a:rPr>
+              <a:t>コードを参照</a:t>
+            </a:r>
+            <a:r>
+              <a:rPr kumimoji="1" lang="en-US" altLang="ja-JP" sz="600" dirty="0">
+                <a:solidFill>
+                  <a:schemeClr val="tx1"/>
+                </a:solidFill>
+                <a:latin typeface="UD デジタル 教科書体 NP-R" panose="02020400000000000000" pitchFamily="18" charset="-128"/>
+                <a:ea typeface="UD デジタル 教科書体 NP-R" panose="02020400000000000000" pitchFamily="18" charset="-128"/>
+              </a:rPr>
+              <a:t>(</a:t>
+            </a:r>
+            <a:r>
+              <a:rPr kumimoji="1" lang="ja-JP" altLang="en-US" sz="600" dirty="0">
+                <a:solidFill>
+                  <a:schemeClr val="tx1"/>
+                </a:solidFill>
+                <a:latin typeface="UD デジタル 教科書体 NP-R" panose="02020400000000000000" pitchFamily="18" charset="-128"/>
+                <a:ea typeface="UD デジタル 教科書体 NP-R" panose="02020400000000000000" pitchFamily="18" charset="-128"/>
+              </a:rPr>
+              <a:t>最大発行後</a:t>
+            </a:r>
+            <a:r>
+              <a:rPr kumimoji="1" lang="en-US" altLang="ja-JP" sz="600" dirty="0">
+                <a:solidFill>
+                  <a:schemeClr val="tx1"/>
+                </a:solidFill>
+                <a:latin typeface="UD デジタル 教科書体 NP-R" panose="02020400000000000000" pitchFamily="18" charset="-128"/>
+                <a:ea typeface="UD デジタル 教科書体 NP-R" panose="02020400000000000000" pitchFamily="18" charset="-128"/>
+              </a:rPr>
+              <a:t>1</a:t>
+            </a:r>
+            <a:r>
+              <a:rPr kumimoji="1" lang="ja-JP" altLang="en-US" sz="600" dirty="0">
+                <a:solidFill>
+                  <a:schemeClr val="tx1"/>
+                </a:solidFill>
+                <a:latin typeface="UD デジタル 教科書体 NP-R" panose="02020400000000000000" pitchFamily="18" charset="-128"/>
+                <a:ea typeface="UD デジタル 教科書体 NP-R" panose="02020400000000000000" pitchFamily="18" charset="-128"/>
+              </a:rPr>
+              <a:t>年</a:t>
+            </a:r>
+            <a:r>
+              <a:rPr kumimoji="1" lang="en-US" altLang="ja-JP" sz="600" dirty="0">
+                <a:solidFill>
+                  <a:schemeClr val="tx1"/>
+                </a:solidFill>
+                <a:latin typeface="UD デジタル 教科書体 NP-R" panose="02020400000000000000" pitchFamily="18" charset="-128"/>
+                <a:ea typeface="UD デジタル 教科書体 NP-R" panose="02020400000000000000" pitchFamily="18" charset="-128"/>
+              </a:rPr>
+              <a:t>)</a:t>
+            </a:r>
+          </a:p>
+        </p:txBody>
+      </p:sp>
+      <p:sp>
+        <p:nvSpPr>
+          <p:cNvPr id="95" name="四角形: 角を丸くする 94">
+            <a:extLst>
+              <a:ext uri="{FF2B5EF4-FFF2-40B4-BE49-F238E27FC236}">
+                <a16:creationId xmlns:a16="http://schemas.microsoft.com/office/drawing/2014/main" id="{E935ED76-BAF1-4675-1DB6-0B72A2408DB8}"/>
+              </a:ext>
+            </a:extLst>
+          </p:cNvPr>
+          <p:cNvSpPr/>
+          <p:nvPr/>
+        </p:nvSpPr>
+        <p:spPr>
+          <a:xfrm>
+            <a:off x="5161274" y="5375267"/>
+            <a:ext cx="1816395" cy="977253"/>
+          </a:xfrm>
+          <a:prstGeom prst="roundRect">
+            <a:avLst>
+              <a:gd name="adj" fmla="val 14542"/>
+            </a:avLst>
+          </a:prstGeom>
+          <a:solidFill>
+            <a:schemeClr val="bg1"/>
+          </a:solidFill>
+          <a:ln>
+            <a:noFill/>
+          </a:ln>
+          <a:effectLst>
+            <a:softEdge rad="76200"/>
+          </a:effectLst>
+        </p:spPr>
+        <p:style>
+          <a:lnRef idx="2">
+            <a:schemeClr val="accent1">
+              <a:shade val="15000"/>
+            </a:schemeClr>
+          </a:lnRef>
+          <a:fillRef idx="1">
+            <a:schemeClr val="accent1"/>
+          </a:fillRef>
+          <a:effectRef idx="0">
+            <a:schemeClr val="accent1"/>
+          </a:effectRef>
+          <a:fontRef idx="minor">
+            <a:schemeClr val="lt1"/>
+          </a:fontRef>
+        </p:style>
+        <p:txBody>
+          <a:bodyPr lIns="0" tIns="0" rIns="0" bIns="0" rtlCol="0" anchor="ctr"/>
+          <a:lstStyle/>
+          <a:p>
+            <a:pPr>
+              <a:lnSpc>
+                <a:spcPts val="600"/>
+              </a:lnSpc>
+            </a:pPr>
+            <a:r>
+              <a:rPr kumimoji="1" lang="ja-JP" altLang="en-US" sz="1100" dirty="0">
+                <a:solidFill>
+                  <a:schemeClr val="tx1"/>
+                </a:solidFill>
+                <a:latin typeface="UD デジタル 教科書体 NP-R" panose="02020400000000000000" pitchFamily="18" charset="-128"/>
+                <a:ea typeface="UD デジタル 教科書体 NP-R" panose="02020400000000000000" pitchFamily="18" charset="-128"/>
+              </a:rPr>
+              <a:t>　　　名刺代わりに。</a:t>
+            </a:r>
+            <a:endParaRPr kumimoji="1" lang="en-US" altLang="ja-JP" sz="1100" dirty="0">
+              <a:solidFill>
+                <a:schemeClr val="tx1"/>
+              </a:solidFill>
+              <a:latin typeface="UD デジタル 教科書体 NP-R" panose="02020400000000000000" pitchFamily="18" charset="-128"/>
+              <a:ea typeface="UD デジタル 教科書体 NP-R" panose="02020400000000000000" pitchFamily="18" charset="-128"/>
+            </a:endParaRPr>
+          </a:p>
+        </p:txBody>
+      </p:sp>
+      <p:grpSp>
+        <p:nvGrpSpPr>
+          <p:cNvPr id="96" name="グループ化 95">
+            <a:extLst>
+              <a:ext uri="{FF2B5EF4-FFF2-40B4-BE49-F238E27FC236}">
+                <a16:creationId xmlns:a16="http://schemas.microsoft.com/office/drawing/2014/main" id="{F55CA3AC-1F2B-4065-6470-0A9E6353BE94}"/>
+              </a:ext>
+            </a:extLst>
+          </p:cNvPr>
+          <p:cNvGrpSpPr/>
+          <p:nvPr/>
+        </p:nvGrpSpPr>
+        <p:grpSpPr>
+          <a:xfrm>
+            <a:off x="1942688" y="1880345"/>
+            <a:ext cx="2998723" cy="2026882"/>
+            <a:chOff x="414338" y="352425"/>
+            <a:chExt cx="2247899" cy="1233488"/>
+          </a:xfrm>
+          <a:solidFill>
+            <a:schemeClr val="bg1"/>
+          </a:solidFill>
+        </p:grpSpPr>
+        <p:sp>
+          <p:nvSpPr>
+            <p:cNvPr id="97" name="四角形: 角を丸くする 96">
+              <a:extLst>
+                <a:ext uri="{FF2B5EF4-FFF2-40B4-BE49-F238E27FC236}">
+                  <a16:creationId xmlns:a16="http://schemas.microsoft.com/office/drawing/2014/main" id="{30520B90-BF30-DB46-405C-E73E70D9926A}"/>
+                </a:ext>
+              </a:extLst>
+            </p:cNvPr>
+            <p:cNvSpPr/>
+            <p:nvPr/>
+          </p:nvSpPr>
+          <p:spPr>
+            <a:xfrm>
+              <a:off x="414338" y="352425"/>
+              <a:ext cx="2247899" cy="1233488"/>
+            </a:xfrm>
+            <a:prstGeom prst="roundRect">
+              <a:avLst>
+                <a:gd name="adj" fmla="val 6665"/>
+              </a:avLst>
+            </a:prstGeom>
+            <a:grpFill/>
+            <a:ln>
+              <a:noFill/>
+            </a:ln>
+          </p:spPr>
+          <p:style>
+            <a:lnRef idx="2">
+              <a:schemeClr val="accent1">
+                <a:shade val="15000"/>
+              </a:schemeClr>
+            </a:lnRef>
+            <a:fillRef idx="1">
+              <a:schemeClr val="accent1"/>
+            </a:fillRef>
+            <a:effectRef idx="0">
+              <a:schemeClr val="accent1"/>
+            </a:effectRef>
+            <a:fontRef idx="minor">
+              <a:schemeClr val="lt1"/>
+            </a:fontRef>
+          </p:style>
+          <p:txBody>
+            <a:bodyPr lIns="0" tIns="0" rIns="0" bIns="0" rtlCol="0" anchor="ctr"/>
+            <a:lstStyle/>
+            <a:p>
+              <a:pPr algn="ctr"/>
+              <a:endParaRPr kumimoji="1" lang="ja-JP" altLang="en-US" sz="600" dirty="0">
+                <a:solidFill>
+                  <a:schemeClr val="tx1"/>
+                </a:solidFill>
+                <a:latin typeface="UD デジタル 教科書体 NP-R" panose="020B0400000000000000" pitchFamily="18" charset="-128"/>
+                <a:ea typeface="UD デジタル 教科書体 NP-R" panose="020B0400000000000000" pitchFamily="18" charset="-128"/>
+              </a:endParaRPr>
+            </a:p>
+          </p:txBody>
+        </p:sp>
+        <p:cxnSp>
+          <p:nvCxnSpPr>
+            <p:cNvPr id="98" name="直線コネクタ 97">
+              <a:extLst>
+                <a:ext uri="{FF2B5EF4-FFF2-40B4-BE49-F238E27FC236}">
+                  <a16:creationId xmlns:a16="http://schemas.microsoft.com/office/drawing/2014/main" id="{4901B38B-BEED-8883-77FA-7426D9BBDEAF}"/>
+                </a:ext>
+              </a:extLst>
+            </p:cNvPr>
+            <p:cNvCxnSpPr>
+              <a:cxnSpLocks/>
+            </p:cNvCxnSpPr>
+            <p:nvPr/>
+          </p:nvCxnSpPr>
+          <p:spPr>
+            <a:xfrm>
+              <a:off x="710725" y="670715"/>
+              <a:ext cx="1633537" cy="0"/>
+            </a:xfrm>
+            <a:prstGeom prst="line">
+              <a:avLst/>
+            </a:prstGeom>
+            <a:grpFill/>
+            <a:ln>
+              <a:solidFill>
+                <a:schemeClr val="bg2">
+                  <a:lumMod val="90000"/>
+                </a:schemeClr>
+              </a:solidFill>
+            </a:ln>
+          </p:spPr>
+          <p:style>
+            <a:lnRef idx="2">
+              <a:schemeClr val="accent2"/>
+            </a:lnRef>
+            <a:fillRef idx="0">
+              <a:schemeClr val="accent2"/>
+            </a:fillRef>
+            <a:effectRef idx="1">
+              <a:schemeClr val="accent2"/>
+            </a:effectRef>
+            <a:fontRef idx="minor">
+              <a:schemeClr val="tx1"/>
+            </a:fontRef>
+          </p:style>
+        </p:cxnSp>
+        <p:cxnSp>
+          <p:nvCxnSpPr>
+            <p:cNvPr id="99" name="直線コネクタ 98">
+              <a:extLst>
+                <a:ext uri="{FF2B5EF4-FFF2-40B4-BE49-F238E27FC236}">
+                  <a16:creationId xmlns:a16="http://schemas.microsoft.com/office/drawing/2014/main" id="{A9BF13D5-1175-5E46-414F-416981B0E8A1}"/>
+                </a:ext>
+              </a:extLst>
+            </p:cNvPr>
+            <p:cNvCxnSpPr>
+              <a:cxnSpLocks/>
+            </p:cNvCxnSpPr>
+            <p:nvPr/>
+          </p:nvCxnSpPr>
+          <p:spPr>
+            <a:xfrm>
+              <a:off x="710725" y="978040"/>
+              <a:ext cx="1633537" cy="0"/>
+            </a:xfrm>
+            <a:prstGeom prst="line">
+              <a:avLst/>
+            </a:prstGeom>
+            <a:grpFill/>
+            <a:ln>
+              <a:solidFill>
+                <a:schemeClr val="bg2">
+                  <a:lumMod val="90000"/>
+                </a:schemeClr>
+              </a:solidFill>
+            </a:ln>
+          </p:spPr>
+          <p:style>
+            <a:lnRef idx="2">
+              <a:schemeClr val="accent2"/>
+            </a:lnRef>
+            <a:fillRef idx="0">
+              <a:schemeClr val="accent2"/>
+            </a:fillRef>
+            <a:effectRef idx="1">
+              <a:schemeClr val="accent2"/>
+            </a:effectRef>
+            <a:fontRef idx="minor">
+              <a:schemeClr val="tx1"/>
+            </a:fontRef>
+          </p:style>
+        </p:cxnSp>
+        <p:cxnSp>
+          <p:nvCxnSpPr>
+            <p:cNvPr id="100" name="直線コネクタ 99">
+              <a:extLst>
+                <a:ext uri="{FF2B5EF4-FFF2-40B4-BE49-F238E27FC236}">
+                  <a16:creationId xmlns:a16="http://schemas.microsoft.com/office/drawing/2014/main" id="{48330671-F5F1-40DB-2199-9E4784C5F8B2}"/>
+                </a:ext>
+              </a:extLst>
+            </p:cNvPr>
+            <p:cNvCxnSpPr>
+              <a:cxnSpLocks/>
+            </p:cNvCxnSpPr>
+            <p:nvPr/>
+          </p:nvCxnSpPr>
+          <p:spPr>
+            <a:xfrm>
+              <a:off x="710725" y="1285368"/>
+              <a:ext cx="1633537" cy="0"/>
+            </a:xfrm>
+            <a:prstGeom prst="line">
+              <a:avLst/>
+            </a:prstGeom>
+            <a:grpFill/>
+            <a:ln>
+              <a:solidFill>
+                <a:schemeClr val="bg2">
+                  <a:lumMod val="90000"/>
+                </a:schemeClr>
+              </a:solidFill>
+            </a:ln>
+          </p:spPr>
+          <p:style>
+            <a:lnRef idx="2">
+              <a:schemeClr val="accent2"/>
+            </a:lnRef>
+            <a:fillRef idx="0">
+              <a:schemeClr val="accent2"/>
+            </a:fillRef>
+            <a:effectRef idx="1">
+              <a:schemeClr val="accent2"/>
+            </a:effectRef>
+            <a:fontRef idx="minor">
+              <a:schemeClr val="tx1"/>
+            </a:fontRef>
+          </p:style>
+        </p:cxnSp>
+      </p:grpSp>
+      <p:sp>
+        <p:nvSpPr>
+          <p:cNvPr id="101" name="テキスト ボックス 100">
+            <a:extLst>
+              <a:ext uri="{FF2B5EF4-FFF2-40B4-BE49-F238E27FC236}">
+                <a16:creationId xmlns:a16="http://schemas.microsoft.com/office/drawing/2014/main" id="{111DFA28-AD69-6320-869C-D8682484A110}"/>
+              </a:ext>
+            </a:extLst>
+          </p:cNvPr>
+          <p:cNvSpPr txBox="1"/>
+          <p:nvPr/>
+        </p:nvSpPr>
+        <p:spPr>
+          <a:xfrm>
+            <a:off x="1936087" y="6973889"/>
+            <a:ext cx="3005323" cy="587782"/>
+          </a:xfrm>
+          <a:prstGeom prst="roundRect">
+            <a:avLst>
+              <a:gd name="adj" fmla="val 32548"/>
+            </a:avLst>
+          </a:prstGeom>
+          <a:solidFill>
+            <a:schemeClr val="bg1"/>
+          </a:solidFill>
+          <a:effectLst>
+            <a:softEdge rad="25400"/>
+          </a:effectLst>
+        </p:spPr>
+        <p:txBody>
+          <a:bodyPr wrap="square">
+            <a:spAutoFit/>
+          </a:bodyPr>
+          <a:lstStyle/>
+          <a:p>
+            <a:pPr algn="ctr"/>
+            <a:r>
+              <a:rPr lang="ja-JP" altLang="en-US" sz="900" b="1" dirty="0">
+                <a:latin typeface="UD デジタル 教科書体 NP-R" panose="02020400000000000000" pitchFamily="18" charset="-128"/>
+                <a:ea typeface="UD デジタル 教科書体 NP-R" panose="02020400000000000000" pitchFamily="18" charset="-128"/>
+              </a:rPr>
+              <a:t> </a:t>
+            </a:r>
+            <a:r>
+              <a:rPr lang="en-US" altLang="ja-JP" sz="900" b="1" dirty="0">
+                <a:latin typeface="UD デジタル 教科書体 NP-R" panose="02020400000000000000" pitchFamily="18" charset="-128"/>
+                <a:ea typeface="UD デジタル 教科書体 NP-R" panose="02020400000000000000" pitchFamily="18" charset="-128"/>
+              </a:rPr>
+              <a:t>“</a:t>
+            </a:r>
+            <a:r>
+              <a:rPr lang="ja-JP" altLang="en-US" sz="800" b="1" dirty="0">
+                <a:latin typeface="UD デジタル 教科書体 NP-R" panose="02020400000000000000" pitchFamily="18" charset="-128"/>
+                <a:ea typeface="UD デジタル 教科書体 NP-R" panose="02020400000000000000" pitchFamily="18" charset="-128"/>
+              </a:rPr>
+              <a:t>名刺代わりに。</a:t>
+            </a:r>
+            <a:r>
+              <a:rPr lang="en-US" altLang="ja-JP" sz="800" b="1" dirty="0">
+                <a:latin typeface="UD デジタル 教科書体 NP-R" panose="02020400000000000000" pitchFamily="18" charset="-128"/>
+                <a:ea typeface="UD デジタル 教科書体 NP-R" panose="02020400000000000000" pitchFamily="18" charset="-128"/>
+              </a:rPr>
+              <a:t>”</a:t>
+            </a:r>
+            <a:r>
+              <a:rPr lang="ja-JP" altLang="en-US" sz="800" b="1" i="0" dirty="0">
+                <a:effectLst/>
+                <a:latin typeface="UD デジタル 教科書体 NP-R" panose="02020400000000000000" pitchFamily="18" charset="-128"/>
+                <a:ea typeface="UD デジタル 教科書体 NP-R" panose="02020400000000000000" pitchFamily="18" charset="-128"/>
+              </a:rPr>
+              <a:t>は、出会いにちょっとした贈りものを添えるデジタルギフトサービス。 ギフトの</a:t>
+            </a:r>
+            <a:r>
+              <a:rPr lang="ja-JP" altLang="en-US" sz="800" b="1" dirty="0">
+                <a:latin typeface="UD デジタル 教科書体 NP-R" panose="02020400000000000000" pitchFamily="18" charset="-128"/>
+                <a:ea typeface="UD デジタル 教科書体 NP-R" panose="02020400000000000000" pitchFamily="18" charset="-128"/>
+              </a:rPr>
+              <a:t>受け取り</a:t>
+            </a:r>
+            <a:r>
+              <a:rPr lang="ja-JP" altLang="en-US" sz="800" b="1" i="0" dirty="0">
+                <a:effectLst/>
+                <a:latin typeface="UD デジタル 教科書体 NP-R" panose="02020400000000000000" pitchFamily="18" charset="-128"/>
+                <a:ea typeface="UD デジタル 教科書体 NP-R" panose="02020400000000000000" pitchFamily="18" charset="-128"/>
+              </a:rPr>
+              <a:t>先を</a:t>
+            </a:r>
+            <a:r>
+              <a:rPr lang="en-US" altLang="ja-JP" sz="800" b="1" i="0" dirty="0">
+                <a:effectLst/>
+                <a:latin typeface="UD デジタル 教科書体 NP-R" panose="02020400000000000000" pitchFamily="18" charset="-128"/>
+                <a:ea typeface="UD デジタル 教科書体 NP-R" panose="02020400000000000000" pitchFamily="18" charset="-128"/>
+              </a:rPr>
+              <a:t>QR</a:t>
+            </a:r>
+            <a:r>
+              <a:rPr lang="ja-JP" altLang="en-US" sz="800" b="1" i="0" dirty="0">
+                <a:effectLst/>
+                <a:latin typeface="UD デジタル 教科書体 NP-R" panose="02020400000000000000" pitchFamily="18" charset="-128"/>
+                <a:ea typeface="UD デジタル 教科書体 NP-R" panose="02020400000000000000" pitchFamily="18" charset="-128"/>
+              </a:rPr>
+              <a:t>コードから指定できます。</a:t>
+            </a:r>
+            <a:endParaRPr lang="ja-JP" altLang="en-US" sz="900" b="1" dirty="0">
+              <a:latin typeface="UD デジタル 教科書体 NP-R" panose="02020400000000000000" pitchFamily="18" charset="-128"/>
+              <a:ea typeface="UD デジタル 教科書体 NP-R" panose="02020400000000000000" pitchFamily="18" charset="-128"/>
+            </a:endParaRPr>
+          </a:p>
+        </p:txBody>
+      </p:sp>
+      <p:sp>
+        <p:nvSpPr>
+          <p:cNvPr id="102" name="テキスト ボックス 101">
+            <a:extLst>
+              <a:ext uri="{FF2B5EF4-FFF2-40B4-BE49-F238E27FC236}">
+                <a16:creationId xmlns:a16="http://schemas.microsoft.com/office/drawing/2014/main" id="{C22F3AAA-928B-A1FE-0041-083379FB7AF3}"/>
+              </a:ext>
+            </a:extLst>
+          </p:cNvPr>
+          <p:cNvSpPr txBox="1"/>
+          <p:nvPr/>
+        </p:nvSpPr>
+        <p:spPr>
+          <a:xfrm>
+            <a:off x="1886521" y="4841171"/>
+            <a:ext cx="3054890" cy="1481257"/>
+          </a:xfrm>
+          <a:prstGeom prst="roundRect">
+            <a:avLst/>
+          </a:prstGeom>
+          <a:solidFill>
+            <a:schemeClr val="bg1"/>
+          </a:solidFill>
+          <a:effectLst>
+            <a:softEdge rad="25400"/>
+          </a:effectLst>
+        </p:spPr>
+        <p:txBody>
+          <a:bodyPr wrap="square" anchor="ctr">
+            <a:spAutoFit/>
+          </a:bodyPr>
+          <a:lstStyle/>
+          <a:p>
+            <a:pPr algn="ctr"/>
+            <a:r>
+              <a:rPr lang="ja-JP" altLang="en-US" sz="900" b="1" dirty="0">
+                <a:latin typeface="UD デジタル 教科書体 NP-R" panose="02020400000000000000" pitchFamily="18" charset="-128"/>
+                <a:ea typeface="UD デジタル 教科書体 NP-R" panose="02020400000000000000" pitchFamily="18" charset="-128"/>
+              </a:rPr>
+              <a:t> ギフトを受け取るには</a:t>
+            </a:r>
+            <a:endParaRPr lang="en-US" altLang="ja-JP" sz="900" b="1" dirty="0">
+              <a:latin typeface="UD デジタル 教科書体 NP-R" panose="02020400000000000000" pitchFamily="18" charset="-128"/>
+              <a:ea typeface="UD デジタル 教科書体 NP-R" panose="02020400000000000000" pitchFamily="18" charset="-128"/>
+            </a:endParaRPr>
+          </a:p>
+          <a:p>
+            <a:r>
+              <a:rPr lang="ja-JP" altLang="en-US" sz="900" dirty="0">
+                <a:latin typeface="UD デジタル 教科書体 NP-R" panose="02020400000000000000" pitchFamily="18" charset="-128"/>
+                <a:ea typeface="UD デジタル 教科書体 NP-R" panose="02020400000000000000" pitchFamily="18" charset="-128"/>
+              </a:rPr>
+              <a:t>１．</a:t>
+            </a:r>
+            <a:r>
+              <a:rPr lang="en-US" altLang="ja-JP" sz="900" dirty="0">
+                <a:latin typeface="UD デジタル 教科書体 NP-R" panose="02020400000000000000" pitchFamily="18" charset="-128"/>
+                <a:ea typeface="UD デジタル 教科書体 NP-R" panose="02020400000000000000" pitchFamily="18" charset="-128"/>
+              </a:rPr>
+              <a:t>QR</a:t>
+            </a:r>
+            <a:r>
+              <a:rPr lang="ja-JP" altLang="en-US" sz="900" dirty="0">
+                <a:latin typeface="UD デジタル 教科書体 NP-R" panose="02020400000000000000" pitchFamily="18" charset="-128"/>
+                <a:ea typeface="UD デジタル 教科書体 NP-R" panose="02020400000000000000" pitchFamily="18" charset="-128"/>
+              </a:rPr>
+              <a:t>コードをスマートフォン等で読み込む</a:t>
+            </a:r>
+            <a:endParaRPr lang="en-US" altLang="ja-JP" sz="900" dirty="0">
+              <a:latin typeface="UD デジタル 教科書体 NP-R" panose="02020400000000000000" pitchFamily="18" charset="-128"/>
+              <a:ea typeface="UD デジタル 教科書体 NP-R" panose="02020400000000000000" pitchFamily="18" charset="-128"/>
+            </a:endParaRPr>
+          </a:p>
+          <a:p>
+            <a:r>
+              <a:rPr lang="ja-JP" altLang="en-US" sz="900" dirty="0">
+                <a:latin typeface="UD デジタル 教科書体 NP-R" panose="02020400000000000000" pitchFamily="18" charset="-128"/>
+                <a:ea typeface="UD デジタル 教科書体 NP-R" panose="02020400000000000000" pitchFamily="18" charset="-128"/>
+              </a:rPr>
+              <a:t>２．カード裏側の</a:t>
+            </a:r>
+            <a:r>
+              <a:rPr lang="en-US" altLang="ja-JP" sz="900" dirty="0">
+                <a:latin typeface="UD デジタル 教科書体 NP-R" panose="02020400000000000000" pitchFamily="18" charset="-128"/>
+                <a:ea typeface="UD デジタル 教科書体 NP-R" panose="02020400000000000000" pitchFamily="18" charset="-128"/>
+              </a:rPr>
+              <a:t>PIN</a:t>
+            </a:r>
+            <a:r>
+              <a:rPr lang="ja-JP" altLang="en-US" sz="900" dirty="0">
+                <a:latin typeface="UD デジタル 教科書体 NP-R" panose="02020400000000000000" pitchFamily="18" charset="-128"/>
+                <a:ea typeface="UD デジタル 教科書体 NP-R" panose="02020400000000000000" pitchFamily="18" charset="-128"/>
+              </a:rPr>
+              <a:t>コード</a:t>
+            </a:r>
+            <a:r>
+              <a:rPr lang="en-US" altLang="ja-JP" sz="900" dirty="0">
+                <a:latin typeface="UD デジタル 教科書体 NP-R" panose="02020400000000000000" pitchFamily="18" charset="-128"/>
+                <a:ea typeface="UD デジタル 教科書体 NP-R" panose="02020400000000000000" pitchFamily="18" charset="-128"/>
+              </a:rPr>
+              <a:t>(</a:t>
+            </a:r>
+            <a:r>
+              <a:rPr lang="ja-JP" altLang="en-US" sz="900">
+                <a:latin typeface="UD デジタル 教科書体 NP-R" panose="02020400000000000000" pitchFamily="18" charset="-128"/>
+                <a:ea typeface="UD デジタル 教科書体 NP-R" panose="02020400000000000000" pitchFamily="18" charset="-128"/>
+              </a:rPr>
+              <a:t>８桁</a:t>
+            </a:r>
+            <a:r>
+              <a:rPr lang="ja-JP" altLang="en-US" sz="900" dirty="0">
+                <a:latin typeface="UD デジタル 教科書体 NP-R" panose="02020400000000000000" pitchFamily="18" charset="-128"/>
+                <a:ea typeface="UD デジタル 教科書体 NP-R" panose="02020400000000000000" pitchFamily="18" charset="-128"/>
+              </a:rPr>
+              <a:t>の数字</a:t>
+            </a:r>
+            <a:r>
+              <a:rPr lang="en-US" altLang="ja-JP" sz="900" dirty="0">
+                <a:latin typeface="UD デジタル 教科書体 NP-R" panose="02020400000000000000" pitchFamily="18" charset="-128"/>
+                <a:ea typeface="UD デジタル 教科書体 NP-R" panose="02020400000000000000" pitchFamily="18" charset="-128"/>
+              </a:rPr>
+              <a:t>)</a:t>
+            </a:r>
+            <a:r>
+              <a:rPr lang="ja-JP" altLang="en-US" sz="900" dirty="0">
+                <a:latin typeface="UD デジタル 教科書体 NP-R" panose="02020400000000000000" pitchFamily="18" charset="-128"/>
+                <a:ea typeface="UD デジタル 教科書体 NP-R" panose="02020400000000000000" pitchFamily="18" charset="-128"/>
+              </a:rPr>
+              <a:t>を入力</a:t>
+            </a:r>
+            <a:endParaRPr lang="en-US" altLang="ja-JP" sz="900" dirty="0">
+              <a:latin typeface="UD デジタル 教科書体 NP-R" panose="02020400000000000000" pitchFamily="18" charset="-128"/>
+              <a:ea typeface="UD デジタル 教科書体 NP-R" panose="02020400000000000000" pitchFamily="18" charset="-128"/>
+            </a:endParaRPr>
+          </a:p>
+          <a:p>
+            <a:r>
+              <a:rPr lang="ja-JP" altLang="en-US" sz="900" dirty="0">
+                <a:latin typeface="UD デジタル 教科書体 NP-R" panose="02020400000000000000" pitchFamily="18" charset="-128"/>
+                <a:ea typeface="UD デジタル 教科書体 NP-R" panose="02020400000000000000" pitchFamily="18" charset="-128"/>
+              </a:rPr>
+              <a:t>３．お届け先住所を入力</a:t>
+            </a:r>
+            <a:endParaRPr lang="en-US" altLang="ja-JP" sz="900" dirty="0">
+              <a:latin typeface="UD デジタル 教科書体 NP-R" panose="02020400000000000000" pitchFamily="18" charset="-128"/>
+              <a:ea typeface="UD デジタル 教科書体 NP-R" panose="02020400000000000000" pitchFamily="18" charset="-128"/>
+            </a:endParaRPr>
+          </a:p>
+          <a:p>
+            <a:r>
+              <a:rPr lang="ja-JP" altLang="en-US" sz="900" dirty="0">
+                <a:latin typeface="UD デジタル 教科書体 NP-R" panose="02020400000000000000" pitchFamily="18" charset="-128"/>
+                <a:ea typeface="UD デジタル 教科書体 NP-R" panose="02020400000000000000" pitchFamily="18" charset="-128"/>
+              </a:rPr>
+              <a:t>４．発送状況なども確認できます</a:t>
+            </a:r>
+            <a:endParaRPr lang="en-US" altLang="ja-JP" sz="900" dirty="0">
+              <a:latin typeface="UD デジタル 教科書体 NP-R" panose="02020400000000000000" pitchFamily="18" charset="-128"/>
+              <a:ea typeface="UD デジタル 教科書体 NP-R" panose="02020400000000000000" pitchFamily="18" charset="-128"/>
+            </a:endParaRPr>
+          </a:p>
+          <a:p>
+            <a:endParaRPr lang="en-US" altLang="ja-JP" sz="900" dirty="0">
+              <a:latin typeface="UD デジタル 教科書体 NP-R" panose="02020400000000000000" pitchFamily="18" charset="-128"/>
+              <a:ea typeface="UD デジタル 教科書体 NP-R" panose="02020400000000000000" pitchFamily="18" charset="-128"/>
+            </a:endParaRPr>
+          </a:p>
+          <a:p>
+            <a:r>
+              <a:rPr lang="ja-JP" altLang="en-US" sz="900" dirty="0">
+                <a:latin typeface="UD デジタル 教科書体 NP-R" panose="02020400000000000000" pitchFamily="18" charset="-128"/>
+                <a:ea typeface="UD デジタル 教科書体 NP-R" panose="02020400000000000000" pitchFamily="18" charset="-128"/>
+              </a:rPr>
+              <a:t>荷物を送る方もメッセージを送れます。同じ</a:t>
+            </a:r>
+            <a:r>
+              <a:rPr lang="en-US" altLang="ja-JP" sz="900" dirty="0">
+                <a:latin typeface="UD デジタル 教科書体 NP-R" panose="02020400000000000000" pitchFamily="18" charset="-128"/>
+                <a:ea typeface="UD デジタル 教科書体 NP-R" panose="02020400000000000000" pitchFamily="18" charset="-128"/>
+              </a:rPr>
+              <a:t>QR</a:t>
+            </a:r>
+            <a:r>
+              <a:rPr lang="ja-JP" altLang="en-US" sz="900" dirty="0">
+                <a:latin typeface="UD デジタル 教科書体 NP-R" panose="02020400000000000000" pitchFamily="18" charset="-128"/>
+                <a:ea typeface="UD デジタル 教科書体 NP-R" panose="02020400000000000000" pitchFamily="18" charset="-128"/>
+              </a:rPr>
+              <a:t>コードを読み込んで</a:t>
+            </a:r>
+            <a:r>
+              <a:rPr lang="en-US" altLang="ja-JP" sz="900" dirty="0">
+                <a:latin typeface="UD デジタル 教科書体 NP-R" panose="02020400000000000000" pitchFamily="18" charset="-128"/>
+                <a:ea typeface="UD デジタル 教科書体 NP-R" panose="02020400000000000000" pitchFamily="18" charset="-128"/>
+              </a:rPr>
+              <a:t>PIN</a:t>
+            </a:r>
+            <a:r>
+              <a:rPr lang="ja-JP" altLang="en-US" sz="900" dirty="0">
+                <a:latin typeface="UD デジタル 教科書体 NP-R" panose="02020400000000000000" pitchFamily="18" charset="-128"/>
+                <a:ea typeface="UD デジタル 教科書体 NP-R" panose="02020400000000000000" pitchFamily="18" charset="-128"/>
+              </a:rPr>
+              <a:t>コードを入力し、一番下のチャット欄で会話できます。</a:t>
+            </a:r>
+            <a:endParaRPr lang="en-US" altLang="ja-JP" sz="900" dirty="0">
+              <a:latin typeface="UD デジタル 教科書体 NP-R" panose="02020400000000000000" pitchFamily="18" charset="-128"/>
+              <a:ea typeface="UD デジタル 教科書体 NP-R" panose="02020400000000000000" pitchFamily="18" charset="-128"/>
+            </a:endParaRPr>
+          </a:p>
+        </p:txBody>
+      </p:sp>
+    </p:spTree>
+    <p:extLst>
+      <p:ext uri="{BB962C8B-B14F-4D97-AF65-F5344CB8AC3E}">
+        <p14:creationId xmlns:p14="http://schemas.microsoft.com/office/powerpoint/2010/main" val="2665775131"/>
+      </p:ext>
+    </p:extLst>
+  </p:cSld>
+  <p:clrMapOvr>
+    <a:masterClrMapping/>
+  </p:clrMapOvr>
+</p:sld>
+</file>
+
+<file path=ppt/slides/slide4.xml><?xml version="1.0" encoding="utf-8"?>
 <p:sld xmlns:a="http://schemas.openxmlformats.org/drawingml/2006/main" xmlns:r="http://schemas.openxmlformats.org/officeDocument/2006/relationships" xmlns:p="http://schemas.openxmlformats.org/presentationml/2006/main">
   <p:cSld>
     <p:bg>
@@ -10099,7 +13353,7 @@
 </p:sld>
 </file>
 
-<file path=ppt/slides/slide4.xml><?xml version="1.0" encoding="utf-8"?>
+<file path=ppt/slides/slide5.xml><?xml version="1.0" encoding="utf-8"?>
 <p:sld xmlns:a="http://schemas.openxmlformats.org/drawingml/2006/main" xmlns:r="http://schemas.openxmlformats.org/officeDocument/2006/relationships" xmlns:p="http://schemas.openxmlformats.org/presentationml/2006/main">
   <p:cSld>
     <p:spTree>
